--- a/アクションゲーム.pptx
+++ b/アクションゲーム.pptx
@@ -108,6 +108,11 @@
       </a:defRPr>
     </a:lvl9pPr>
   </p:defaultTextStyle>
+  <p:extLst>
+    <p:ext uri="{EFAFB233-063F-42B5-8137-9DF3F51BA10A}">
+      <p15:sldGuideLst xmlns:p15="http://schemas.microsoft.com/office/powerpoint/2012/main"/>
+    </p:ext>
+  </p:extLst>
 </p:presentation>
 </file>
 
@@ -242,7 +247,7 @@
           <a:p>
             <a:fld id="{62014B94-B595-4A25-97D0-F8D71E9F664E}" type="datetimeFigureOut">
               <a:rPr kumimoji="1" lang="ja-JP" altLang="en-US" smtClean="0"/>
-              <a:t>2022/9/30</a:t>
+              <a:t>2022/10/3</a:t>
             </a:fld>
             <a:endParaRPr kumimoji="1" lang="ja-JP" altLang="en-US"/>
           </a:p>
@@ -444,7 +449,7 @@
           <a:p>
             <a:fld id="{62014B94-B595-4A25-97D0-F8D71E9F664E}" type="datetimeFigureOut">
               <a:rPr kumimoji="1" lang="ja-JP" altLang="en-US" smtClean="0"/>
-              <a:t>2022/9/30</a:t>
+              <a:t>2022/10/3</a:t>
             </a:fld>
             <a:endParaRPr kumimoji="1" lang="ja-JP" altLang="en-US"/>
           </a:p>
@@ -656,7 +661,7 @@
           <a:p>
             <a:fld id="{62014B94-B595-4A25-97D0-F8D71E9F664E}" type="datetimeFigureOut">
               <a:rPr kumimoji="1" lang="ja-JP" altLang="en-US" smtClean="0"/>
-              <a:t>2022/9/30</a:t>
+              <a:t>2022/10/3</a:t>
             </a:fld>
             <a:endParaRPr kumimoji="1" lang="ja-JP" altLang="en-US"/>
           </a:p>
@@ -858,7 +863,7 @@
           <a:p>
             <a:fld id="{62014B94-B595-4A25-97D0-F8D71E9F664E}" type="datetimeFigureOut">
               <a:rPr kumimoji="1" lang="ja-JP" altLang="en-US" smtClean="0"/>
-              <a:t>2022/9/30</a:t>
+              <a:t>2022/10/3</a:t>
             </a:fld>
             <a:endParaRPr kumimoji="1" lang="ja-JP" altLang="en-US"/>
           </a:p>
@@ -1104,7 +1109,7 @@
           <a:p>
             <a:fld id="{62014B94-B595-4A25-97D0-F8D71E9F664E}" type="datetimeFigureOut">
               <a:rPr kumimoji="1" lang="ja-JP" altLang="en-US" smtClean="0"/>
-              <a:t>2022/9/30</a:t>
+              <a:t>2022/10/3</a:t>
             </a:fld>
             <a:endParaRPr kumimoji="1" lang="ja-JP" altLang="en-US"/>
           </a:p>
@@ -1400,7 +1405,7 @@
           <a:p>
             <a:fld id="{62014B94-B595-4A25-97D0-F8D71E9F664E}" type="datetimeFigureOut">
               <a:rPr kumimoji="1" lang="ja-JP" altLang="en-US" smtClean="0"/>
-              <a:t>2022/9/30</a:t>
+              <a:t>2022/10/3</a:t>
             </a:fld>
             <a:endParaRPr kumimoji="1" lang="ja-JP" altLang="en-US"/>
           </a:p>
@@ -1831,7 +1836,7 @@
           <a:p>
             <a:fld id="{62014B94-B595-4A25-97D0-F8D71E9F664E}" type="datetimeFigureOut">
               <a:rPr kumimoji="1" lang="ja-JP" altLang="en-US" smtClean="0"/>
-              <a:t>2022/9/30</a:t>
+              <a:t>2022/10/3</a:t>
             </a:fld>
             <a:endParaRPr kumimoji="1" lang="ja-JP" altLang="en-US"/>
           </a:p>
@@ -1949,7 +1954,7 @@
           <a:p>
             <a:fld id="{62014B94-B595-4A25-97D0-F8D71E9F664E}" type="datetimeFigureOut">
               <a:rPr kumimoji="1" lang="ja-JP" altLang="en-US" smtClean="0"/>
-              <a:t>2022/9/30</a:t>
+              <a:t>2022/10/3</a:t>
             </a:fld>
             <a:endParaRPr kumimoji="1" lang="ja-JP" altLang="en-US"/>
           </a:p>
@@ -2044,7 +2049,7 @@
           <a:p>
             <a:fld id="{62014B94-B595-4A25-97D0-F8D71E9F664E}" type="datetimeFigureOut">
               <a:rPr kumimoji="1" lang="ja-JP" altLang="en-US" smtClean="0"/>
-              <a:t>2022/9/30</a:t>
+              <a:t>2022/10/3</a:t>
             </a:fld>
             <a:endParaRPr kumimoji="1" lang="ja-JP" altLang="en-US"/>
           </a:p>
@@ -2353,7 +2358,7 @@
           <a:p>
             <a:fld id="{62014B94-B595-4A25-97D0-F8D71E9F664E}" type="datetimeFigureOut">
               <a:rPr kumimoji="1" lang="ja-JP" altLang="en-US" smtClean="0"/>
-              <a:t>2022/9/30</a:t>
+              <a:t>2022/10/3</a:t>
             </a:fld>
             <a:endParaRPr kumimoji="1" lang="ja-JP" altLang="en-US"/>
           </a:p>
@@ -2606,7 +2611,7 @@
           <a:p>
             <a:fld id="{62014B94-B595-4A25-97D0-F8D71E9F664E}" type="datetimeFigureOut">
               <a:rPr kumimoji="1" lang="ja-JP" altLang="en-US" smtClean="0"/>
-              <a:t>2022/9/30</a:t>
+              <a:t>2022/10/3</a:t>
             </a:fld>
             <a:endParaRPr kumimoji="1" lang="ja-JP" altLang="en-US"/>
           </a:p>
@@ -2851,7 +2856,7 @@
           <a:p>
             <a:fld id="{62014B94-B595-4A25-97D0-F8D71E9F664E}" type="datetimeFigureOut">
               <a:rPr kumimoji="1" lang="ja-JP" altLang="en-US" smtClean="0"/>
-              <a:t>2022/9/30</a:t>
+              <a:t>2022/10/3</a:t>
             </a:fld>
             <a:endParaRPr kumimoji="1" lang="ja-JP" altLang="en-US"/>
           </a:p>
@@ -3439,19 +3444,7 @@
             </a:r>
             <a:r>
               <a:rPr lang="ja-JP" altLang="en-US" sz="6000" dirty="0" smtClean="0"/>
-              <a:t>   </a:t>
-            </a:r>
-            <a:r>
-              <a:rPr lang="ja-JP" altLang="en-US" sz="6000" dirty="0" smtClean="0"/>
-              <a:t> </a:t>
-            </a:r>
-            <a:r>
-              <a:rPr lang="ja-JP" altLang="en-US" sz="6000" dirty="0" smtClean="0"/>
-              <a:t> 　</a:t>
-            </a:r>
-            <a:r>
-              <a:rPr lang="ja-JP" altLang="en-US" sz="6000" dirty="0" smtClean="0"/>
-              <a:t>・</a:t>
+              <a:t>     　・</a:t>
             </a:r>
             <a:r>
               <a:rPr lang="en-US" altLang="ja-JP" sz="6000" dirty="0" err="1" smtClean="0"/>
@@ -3612,7 +3605,9 @@
           </a:xfrm>
         </p:spPr>
         <p:txBody>
-          <a:bodyPr/>
+          <a:bodyPr>
+            <a:normAutofit lnSpcReduction="10000"/>
+          </a:bodyPr>
           <a:lstStyle/>
           <a:p>
             <a:pPr marL="0" indent="0">
@@ -3643,6 +3638,20 @@
             <a:r>
               <a:rPr kumimoji="1" lang="en-US" altLang="ja-JP" dirty="0" err="1" smtClean="0"/>
               <a:t>MapTip</a:t>
+            </a:r>
+            <a:endParaRPr kumimoji="1" lang="en-US" altLang="ja-JP" dirty="0" smtClean="0"/>
+          </a:p>
+          <a:p>
+            <a:pPr marL="0" indent="0">
+              <a:buNone/>
+            </a:pPr>
+            <a:r>
+              <a:rPr lang="ja-JP" altLang="en-US" dirty="0" smtClean="0"/>
+              <a:t>・</a:t>
+            </a:r>
+            <a:r>
+              <a:rPr lang="en-US" altLang="ja-JP" dirty="0" smtClean="0"/>
+              <a:t>Title</a:t>
             </a:r>
             <a:endParaRPr kumimoji="1" lang="ja-JP" altLang="en-US" dirty="0"/>
           </a:p>
@@ -3657,7 +3666,7 @@
         <p:spPr>
           <a:xfrm>
             <a:off x="3941684" y="1690688"/>
-            <a:ext cx="3542192" cy="954107"/>
+            <a:ext cx="3542192" cy="1384995"/>
           </a:xfrm>
           <a:prstGeom prst="rect">
             <a:avLst/>
@@ -3688,6 +3697,16 @@
             <a:r>
               <a:rPr lang="en-US" altLang="ja-JP" sz="2800" dirty="0" smtClean="0"/>
               <a:t>Enemy</a:t>
+            </a:r>
+          </a:p>
+          <a:p>
+            <a:r>
+              <a:rPr kumimoji="1" lang="ja-JP" altLang="en-US" sz="2800" dirty="0" smtClean="0"/>
+              <a:t>・</a:t>
+            </a:r>
+            <a:r>
+              <a:rPr kumimoji="1" lang="en-US" altLang="ja-JP" sz="2800" dirty="0" smtClean="0"/>
+              <a:t>Trap</a:t>
             </a:r>
             <a:endParaRPr kumimoji="1" lang="ja-JP" altLang="en-US" sz="2800" dirty="0"/>
           </a:p>

--- a/アクションゲーム.pptx
+++ b/アクションゲーム.pptx
@@ -2,14 +2,16 @@
 <file path=ppt/presentation.xml><?xml version="1.0" encoding="utf-8"?>
 <p:presentation xmlns:a="http://schemas.openxmlformats.org/drawingml/2006/main" xmlns:r="http://schemas.openxmlformats.org/officeDocument/2006/relationships" xmlns:p="http://schemas.openxmlformats.org/presentationml/2006/main" saveSubsetFonts="1">
   <p:sldMasterIdLst>
-    <p:sldMasterId id="2147483648" r:id="rId1"/>
+    <p:sldMasterId id="2147483684" r:id="rId1"/>
   </p:sldMasterIdLst>
   <p:sldIdLst>
     <p:sldId id="256" r:id="rId2"/>
-    <p:sldId id="257" r:id="rId3"/>
-    <p:sldId id="258" r:id="rId4"/>
-    <p:sldId id="259" r:id="rId5"/>
-    <p:sldId id="260" r:id="rId6"/>
+    <p:sldId id="261" r:id="rId3"/>
+    <p:sldId id="262" r:id="rId4"/>
+    <p:sldId id="257" r:id="rId5"/>
+    <p:sldId id="258" r:id="rId6"/>
+    <p:sldId id="259" r:id="rId7"/>
+    <p:sldId id="260" r:id="rId8"/>
   </p:sldIdLst>
   <p:sldSz cx="12192000" cy="6858000"/>
   <p:notesSz cx="6858000" cy="9144000"/>
@@ -135,7 +137,7 @@
       </p:grpSpPr>
       <p:sp>
         <p:nvSpPr>
-          <p:cNvPr id="2" name="タイトル 1"/>
+          <p:cNvPr id="2" name="Title 1"/>
           <p:cNvSpPr>
             <a:spLocks noGrp="1"/>
           </p:cNvSpPr>
@@ -158,16 +160,16 @@
           </a:lstStyle>
           <a:p>
             <a:r>
-              <a:rPr kumimoji="1" lang="ja-JP" altLang="en-US" smtClean="0"/>
+              <a:rPr lang="ja-JP" altLang="en-US" smtClean="0"/>
               <a:t>マスター タイトルの書式設定</a:t>
             </a:r>
-            <a:endParaRPr kumimoji="1" lang="ja-JP" altLang="en-US"/>
-          </a:p>
-        </p:txBody>
-      </p:sp>
-      <p:sp>
-        <p:nvSpPr>
-          <p:cNvPr id="3" name="サブタイトル 2"/>
+            <a:endParaRPr lang="en-US" dirty="0"/>
+          </a:p>
+        </p:txBody>
+      </p:sp>
+      <p:sp>
+        <p:nvSpPr>
+          <p:cNvPr id="3" name="Subtitle 2"/>
           <p:cNvSpPr>
             <a:spLocks noGrp="1"/>
           </p:cNvSpPr>
@@ -223,16 +225,16 @@
           </a:lstStyle>
           <a:p>
             <a:r>
-              <a:rPr kumimoji="1" lang="ja-JP" altLang="en-US" smtClean="0"/>
+              <a:rPr lang="ja-JP" altLang="en-US" smtClean="0"/>
               <a:t>マスター サブタイトルの書式設定</a:t>
             </a:r>
-            <a:endParaRPr kumimoji="1" lang="ja-JP" altLang="en-US"/>
-          </a:p>
-        </p:txBody>
-      </p:sp>
-      <p:sp>
-        <p:nvSpPr>
-          <p:cNvPr id="4" name="日付プレースホルダー 3"/>
+            <a:endParaRPr lang="en-US" dirty="0"/>
+          </a:p>
+        </p:txBody>
+      </p:sp>
+      <p:sp>
+        <p:nvSpPr>
+          <p:cNvPr id="4" name="Date Placeholder 3"/>
           <p:cNvSpPr>
             <a:spLocks noGrp="1"/>
           </p:cNvSpPr>
@@ -255,7 +257,7 @@
       </p:sp>
       <p:sp>
         <p:nvSpPr>
-          <p:cNvPr id="5" name="フッター プレースホルダー 4"/>
+          <p:cNvPr id="5" name="Footer Placeholder 4"/>
           <p:cNvSpPr>
             <a:spLocks noGrp="1"/>
           </p:cNvSpPr>
@@ -274,7 +276,7 @@
       </p:sp>
       <p:sp>
         <p:nvSpPr>
-          <p:cNvPr id="6" name="スライド番号プレースホルダー 5"/>
+          <p:cNvPr id="6" name="Slide Number Placeholder 5"/>
           <p:cNvSpPr>
             <a:spLocks noGrp="1"/>
           </p:cNvSpPr>
@@ -298,7 +300,7 @@
     </p:spTree>
     <p:extLst>
       <p:ext uri="{BB962C8B-B14F-4D97-AF65-F5344CB8AC3E}">
-        <p14:creationId xmlns:p14="http://schemas.microsoft.com/office/powerpoint/2010/main" val="636231534"/>
+        <p14:creationId xmlns:p14="http://schemas.microsoft.com/office/powerpoint/2010/main" val="4208112317"/>
       </p:ext>
     </p:extLst>
   </p:cSld>
@@ -327,7 +329,7 @@
       </p:grpSpPr>
       <p:sp>
         <p:nvSpPr>
-          <p:cNvPr id="2" name="タイトル 1"/>
+          <p:cNvPr id="2" name="Title 1"/>
           <p:cNvSpPr>
             <a:spLocks noGrp="1"/>
           </p:cNvSpPr>
@@ -341,16 +343,16 @@
           <a:lstStyle/>
           <a:p>
             <a:r>
-              <a:rPr kumimoji="1" lang="ja-JP" altLang="en-US" smtClean="0"/>
+              <a:rPr lang="ja-JP" altLang="en-US" smtClean="0"/>
               <a:t>マスター タイトルの書式設定</a:t>
             </a:r>
-            <a:endParaRPr kumimoji="1" lang="ja-JP" altLang="en-US"/>
-          </a:p>
-        </p:txBody>
-      </p:sp>
-      <p:sp>
-        <p:nvSpPr>
-          <p:cNvPr id="3" name="縦書きテキスト プレースホルダー 2"/>
+            <a:endParaRPr lang="en-US" dirty="0"/>
+          </a:p>
+        </p:txBody>
+      </p:sp>
+      <p:sp>
+        <p:nvSpPr>
+          <p:cNvPr id="3" name="Vertical Text Placeholder 2"/>
           <p:cNvSpPr>
             <a:spLocks noGrp="1"/>
           </p:cNvSpPr>
@@ -365,76 +367,76 @@
           <a:p>
             <a:pPr lvl="0"/>
             <a:r>
-              <a:rPr kumimoji="1" lang="ja-JP" altLang="en-US" smtClean="0"/>
+              <a:rPr lang="ja-JP" altLang="en-US" smtClean="0"/>
               <a:t>マスター テキストの書式設定</a:t>
             </a:r>
           </a:p>
           <a:p>
             <a:pPr lvl="1"/>
             <a:r>
-              <a:rPr kumimoji="1" lang="ja-JP" altLang="en-US" smtClean="0"/>
+              <a:rPr lang="ja-JP" altLang="en-US" smtClean="0"/>
               <a:t>第 </a:t>
             </a:r>
             <a:r>
-              <a:rPr kumimoji="1" lang="en-US" altLang="ja-JP" smtClean="0"/>
+              <a:rPr lang="en-US" altLang="ja-JP" smtClean="0"/>
               <a:t>2 </a:t>
             </a:r>
             <a:r>
-              <a:rPr kumimoji="1" lang="ja-JP" altLang="en-US" smtClean="0"/>
+              <a:rPr lang="ja-JP" altLang="en-US" smtClean="0"/>
               <a:t>レベル</a:t>
             </a:r>
           </a:p>
           <a:p>
             <a:pPr lvl="2"/>
             <a:r>
-              <a:rPr kumimoji="1" lang="ja-JP" altLang="en-US" smtClean="0"/>
+              <a:rPr lang="ja-JP" altLang="en-US" smtClean="0"/>
               <a:t>第 </a:t>
             </a:r>
             <a:r>
-              <a:rPr kumimoji="1" lang="en-US" altLang="ja-JP" smtClean="0"/>
+              <a:rPr lang="en-US" altLang="ja-JP" smtClean="0"/>
               <a:t>3 </a:t>
             </a:r>
             <a:r>
-              <a:rPr kumimoji="1" lang="ja-JP" altLang="en-US" smtClean="0"/>
+              <a:rPr lang="ja-JP" altLang="en-US" smtClean="0"/>
               <a:t>レベル</a:t>
             </a:r>
           </a:p>
           <a:p>
             <a:pPr lvl="3"/>
             <a:r>
-              <a:rPr kumimoji="1" lang="ja-JP" altLang="en-US" smtClean="0"/>
+              <a:rPr lang="ja-JP" altLang="en-US" smtClean="0"/>
               <a:t>第 </a:t>
             </a:r>
             <a:r>
-              <a:rPr kumimoji="1" lang="en-US" altLang="ja-JP" smtClean="0"/>
+              <a:rPr lang="en-US" altLang="ja-JP" smtClean="0"/>
               <a:t>4 </a:t>
             </a:r>
             <a:r>
-              <a:rPr kumimoji="1" lang="ja-JP" altLang="en-US" smtClean="0"/>
+              <a:rPr lang="ja-JP" altLang="en-US" smtClean="0"/>
               <a:t>レベル</a:t>
             </a:r>
           </a:p>
           <a:p>
             <a:pPr lvl="4"/>
             <a:r>
-              <a:rPr kumimoji="1" lang="ja-JP" altLang="en-US" smtClean="0"/>
+              <a:rPr lang="ja-JP" altLang="en-US" smtClean="0"/>
               <a:t>第 </a:t>
             </a:r>
             <a:r>
-              <a:rPr kumimoji="1" lang="en-US" altLang="ja-JP" smtClean="0"/>
+              <a:rPr lang="en-US" altLang="ja-JP" smtClean="0"/>
               <a:t>5 </a:t>
             </a:r>
             <a:r>
-              <a:rPr kumimoji="1" lang="ja-JP" altLang="en-US" smtClean="0"/>
+              <a:rPr lang="ja-JP" altLang="en-US" smtClean="0"/>
               <a:t>レベル</a:t>
             </a:r>
-            <a:endParaRPr kumimoji="1" lang="ja-JP" altLang="en-US"/>
-          </a:p>
-        </p:txBody>
-      </p:sp>
-      <p:sp>
-        <p:nvSpPr>
-          <p:cNvPr id="4" name="日付プレースホルダー 3"/>
+            <a:endParaRPr lang="en-US" dirty="0"/>
+          </a:p>
+        </p:txBody>
+      </p:sp>
+      <p:sp>
+        <p:nvSpPr>
+          <p:cNvPr id="4" name="Date Placeholder 3"/>
           <p:cNvSpPr>
             <a:spLocks noGrp="1"/>
           </p:cNvSpPr>
@@ -457,7 +459,7 @@
       </p:sp>
       <p:sp>
         <p:nvSpPr>
-          <p:cNvPr id="5" name="フッター プレースホルダー 4"/>
+          <p:cNvPr id="5" name="Footer Placeholder 4"/>
           <p:cNvSpPr>
             <a:spLocks noGrp="1"/>
           </p:cNvSpPr>
@@ -476,7 +478,7 @@
       </p:sp>
       <p:sp>
         <p:nvSpPr>
-          <p:cNvPr id="6" name="スライド番号プレースホルダー 5"/>
+          <p:cNvPr id="6" name="Slide Number Placeholder 5"/>
           <p:cNvSpPr>
             <a:spLocks noGrp="1"/>
           </p:cNvSpPr>
@@ -500,7 +502,7 @@
     </p:spTree>
     <p:extLst>
       <p:ext uri="{BB962C8B-B14F-4D97-AF65-F5344CB8AC3E}">
-        <p14:creationId xmlns:p14="http://schemas.microsoft.com/office/powerpoint/2010/main" val="875654720"/>
+        <p14:creationId xmlns:p14="http://schemas.microsoft.com/office/powerpoint/2010/main" val="3542964634"/>
       </p:ext>
     </p:extLst>
   </p:cSld>
@@ -529,7 +531,7 @@
       </p:grpSpPr>
       <p:sp>
         <p:nvSpPr>
-          <p:cNvPr id="2" name="縦書きタイトル 1"/>
+          <p:cNvPr id="2" name="Vertical Title 1"/>
           <p:cNvSpPr>
             <a:spLocks noGrp="1"/>
           </p:cNvSpPr>
@@ -548,16 +550,16 @@
           <a:lstStyle/>
           <a:p>
             <a:r>
-              <a:rPr kumimoji="1" lang="ja-JP" altLang="en-US" smtClean="0"/>
+              <a:rPr lang="ja-JP" altLang="en-US" smtClean="0"/>
               <a:t>マスター タイトルの書式設定</a:t>
             </a:r>
-            <a:endParaRPr kumimoji="1" lang="ja-JP" altLang="en-US"/>
-          </a:p>
-        </p:txBody>
-      </p:sp>
-      <p:sp>
-        <p:nvSpPr>
-          <p:cNvPr id="3" name="縦書きテキスト プレースホルダー 2"/>
+            <a:endParaRPr lang="en-US" dirty="0"/>
+          </a:p>
+        </p:txBody>
+      </p:sp>
+      <p:sp>
+        <p:nvSpPr>
+          <p:cNvPr id="3" name="Vertical Text Placeholder 2"/>
           <p:cNvSpPr>
             <a:spLocks noGrp="1"/>
           </p:cNvSpPr>
@@ -577,76 +579,76 @@
           <a:p>
             <a:pPr lvl="0"/>
             <a:r>
-              <a:rPr kumimoji="1" lang="ja-JP" altLang="en-US" smtClean="0"/>
+              <a:rPr lang="ja-JP" altLang="en-US" smtClean="0"/>
               <a:t>マスター テキストの書式設定</a:t>
             </a:r>
           </a:p>
           <a:p>
             <a:pPr lvl="1"/>
             <a:r>
-              <a:rPr kumimoji="1" lang="ja-JP" altLang="en-US" smtClean="0"/>
+              <a:rPr lang="ja-JP" altLang="en-US" smtClean="0"/>
               <a:t>第 </a:t>
             </a:r>
             <a:r>
-              <a:rPr kumimoji="1" lang="en-US" altLang="ja-JP" smtClean="0"/>
+              <a:rPr lang="en-US" altLang="ja-JP" smtClean="0"/>
               <a:t>2 </a:t>
             </a:r>
             <a:r>
-              <a:rPr kumimoji="1" lang="ja-JP" altLang="en-US" smtClean="0"/>
+              <a:rPr lang="ja-JP" altLang="en-US" smtClean="0"/>
               <a:t>レベル</a:t>
             </a:r>
           </a:p>
           <a:p>
             <a:pPr lvl="2"/>
             <a:r>
-              <a:rPr kumimoji="1" lang="ja-JP" altLang="en-US" smtClean="0"/>
+              <a:rPr lang="ja-JP" altLang="en-US" smtClean="0"/>
               <a:t>第 </a:t>
             </a:r>
             <a:r>
-              <a:rPr kumimoji="1" lang="en-US" altLang="ja-JP" smtClean="0"/>
+              <a:rPr lang="en-US" altLang="ja-JP" smtClean="0"/>
               <a:t>3 </a:t>
             </a:r>
             <a:r>
-              <a:rPr kumimoji="1" lang="ja-JP" altLang="en-US" smtClean="0"/>
+              <a:rPr lang="ja-JP" altLang="en-US" smtClean="0"/>
               <a:t>レベル</a:t>
             </a:r>
           </a:p>
           <a:p>
             <a:pPr lvl="3"/>
             <a:r>
-              <a:rPr kumimoji="1" lang="ja-JP" altLang="en-US" smtClean="0"/>
+              <a:rPr lang="ja-JP" altLang="en-US" smtClean="0"/>
               <a:t>第 </a:t>
             </a:r>
             <a:r>
-              <a:rPr kumimoji="1" lang="en-US" altLang="ja-JP" smtClean="0"/>
+              <a:rPr lang="en-US" altLang="ja-JP" smtClean="0"/>
               <a:t>4 </a:t>
             </a:r>
             <a:r>
-              <a:rPr kumimoji="1" lang="ja-JP" altLang="en-US" smtClean="0"/>
+              <a:rPr lang="ja-JP" altLang="en-US" smtClean="0"/>
               <a:t>レベル</a:t>
             </a:r>
           </a:p>
           <a:p>
             <a:pPr lvl="4"/>
             <a:r>
-              <a:rPr kumimoji="1" lang="ja-JP" altLang="en-US" smtClean="0"/>
+              <a:rPr lang="ja-JP" altLang="en-US" smtClean="0"/>
               <a:t>第 </a:t>
             </a:r>
             <a:r>
-              <a:rPr kumimoji="1" lang="en-US" altLang="ja-JP" smtClean="0"/>
+              <a:rPr lang="en-US" altLang="ja-JP" smtClean="0"/>
               <a:t>5 </a:t>
             </a:r>
             <a:r>
-              <a:rPr kumimoji="1" lang="ja-JP" altLang="en-US" smtClean="0"/>
+              <a:rPr lang="ja-JP" altLang="en-US" smtClean="0"/>
               <a:t>レベル</a:t>
             </a:r>
-            <a:endParaRPr kumimoji="1" lang="ja-JP" altLang="en-US"/>
-          </a:p>
-        </p:txBody>
-      </p:sp>
-      <p:sp>
-        <p:nvSpPr>
-          <p:cNvPr id="4" name="日付プレースホルダー 3"/>
+            <a:endParaRPr lang="en-US" dirty="0"/>
+          </a:p>
+        </p:txBody>
+      </p:sp>
+      <p:sp>
+        <p:nvSpPr>
+          <p:cNvPr id="4" name="Date Placeholder 3"/>
           <p:cNvSpPr>
             <a:spLocks noGrp="1"/>
           </p:cNvSpPr>
@@ -669,7 +671,7 @@
       </p:sp>
       <p:sp>
         <p:nvSpPr>
-          <p:cNvPr id="5" name="フッター プレースホルダー 4"/>
+          <p:cNvPr id="5" name="Footer Placeholder 4"/>
           <p:cNvSpPr>
             <a:spLocks noGrp="1"/>
           </p:cNvSpPr>
@@ -688,7 +690,7 @@
       </p:sp>
       <p:sp>
         <p:nvSpPr>
-          <p:cNvPr id="6" name="スライド番号プレースホルダー 5"/>
+          <p:cNvPr id="6" name="Slide Number Placeholder 5"/>
           <p:cNvSpPr>
             <a:spLocks noGrp="1"/>
           </p:cNvSpPr>
@@ -712,7 +714,7 @@
     </p:spTree>
     <p:extLst>
       <p:ext uri="{BB962C8B-B14F-4D97-AF65-F5344CB8AC3E}">
-        <p14:creationId xmlns:p14="http://schemas.microsoft.com/office/powerpoint/2010/main" val="2620680873"/>
+        <p14:creationId xmlns:p14="http://schemas.microsoft.com/office/powerpoint/2010/main" val="3691862142"/>
       </p:ext>
     </p:extLst>
   </p:cSld>
@@ -741,7 +743,7 @@
       </p:grpSpPr>
       <p:sp>
         <p:nvSpPr>
-          <p:cNvPr id="2" name="タイトル 1"/>
+          <p:cNvPr id="2" name="Title 1"/>
           <p:cNvSpPr>
             <a:spLocks noGrp="1"/>
           </p:cNvSpPr>
@@ -755,16 +757,16 @@
           <a:lstStyle/>
           <a:p>
             <a:r>
-              <a:rPr kumimoji="1" lang="ja-JP" altLang="en-US" smtClean="0"/>
+              <a:rPr lang="ja-JP" altLang="en-US" smtClean="0"/>
               <a:t>マスター タイトルの書式設定</a:t>
             </a:r>
-            <a:endParaRPr kumimoji="1" lang="ja-JP" altLang="en-US"/>
-          </a:p>
-        </p:txBody>
-      </p:sp>
-      <p:sp>
-        <p:nvSpPr>
-          <p:cNvPr id="3" name="コンテンツ プレースホルダー 2"/>
+            <a:endParaRPr lang="en-US" dirty="0"/>
+          </a:p>
+        </p:txBody>
+      </p:sp>
+      <p:sp>
+        <p:nvSpPr>
+          <p:cNvPr id="3" name="Content Placeholder 2"/>
           <p:cNvSpPr>
             <a:spLocks noGrp="1"/>
           </p:cNvSpPr>
@@ -779,76 +781,76 @@
           <a:p>
             <a:pPr lvl="0"/>
             <a:r>
-              <a:rPr kumimoji="1" lang="ja-JP" altLang="en-US" smtClean="0"/>
+              <a:rPr lang="ja-JP" altLang="en-US" smtClean="0"/>
               <a:t>マスター テキストの書式設定</a:t>
             </a:r>
           </a:p>
           <a:p>
             <a:pPr lvl="1"/>
             <a:r>
-              <a:rPr kumimoji="1" lang="ja-JP" altLang="en-US" smtClean="0"/>
+              <a:rPr lang="ja-JP" altLang="en-US" smtClean="0"/>
               <a:t>第 </a:t>
             </a:r>
             <a:r>
-              <a:rPr kumimoji="1" lang="en-US" altLang="ja-JP" smtClean="0"/>
+              <a:rPr lang="en-US" altLang="ja-JP" smtClean="0"/>
               <a:t>2 </a:t>
             </a:r>
             <a:r>
-              <a:rPr kumimoji="1" lang="ja-JP" altLang="en-US" smtClean="0"/>
+              <a:rPr lang="ja-JP" altLang="en-US" smtClean="0"/>
               <a:t>レベル</a:t>
             </a:r>
           </a:p>
           <a:p>
             <a:pPr lvl="2"/>
             <a:r>
-              <a:rPr kumimoji="1" lang="ja-JP" altLang="en-US" smtClean="0"/>
+              <a:rPr lang="ja-JP" altLang="en-US" smtClean="0"/>
               <a:t>第 </a:t>
             </a:r>
             <a:r>
-              <a:rPr kumimoji="1" lang="en-US" altLang="ja-JP" smtClean="0"/>
+              <a:rPr lang="en-US" altLang="ja-JP" smtClean="0"/>
               <a:t>3 </a:t>
             </a:r>
             <a:r>
-              <a:rPr kumimoji="1" lang="ja-JP" altLang="en-US" smtClean="0"/>
+              <a:rPr lang="ja-JP" altLang="en-US" smtClean="0"/>
               <a:t>レベル</a:t>
             </a:r>
           </a:p>
           <a:p>
             <a:pPr lvl="3"/>
             <a:r>
-              <a:rPr kumimoji="1" lang="ja-JP" altLang="en-US" smtClean="0"/>
+              <a:rPr lang="ja-JP" altLang="en-US" smtClean="0"/>
               <a:t>第 </a:t>
             </a:r>
             <a:r>
-              <a:rPr kumimoji="1" lang="en-US" altLang="ja-JP" smtClean="0"/>
+              <a:rPr lang="en-US" altLang="ja-JP" smtClean="0"/>
               <a:t>4 </a:t>
             </a:r>
             <a:r>
-              <a:rPr kumimoji="1" lang="ja-JP" altLang="en-US" smtClean="0"/>
+              <a:rPr lang="ja-JP" altLang="en-US" smtClean="0"/>
               <a:t>レベル</a:t>
             </a:r>
           </a:p>
           <a:p>
             <a:pPr lvl="4"/>
             <a:r>
-              <a:rPr kumimoji="1" lang="ja-JP" altLang="en-US" smtClean="0"/>
+              <a:rPr lang="ja-JP" altLang="en-US" smtClean="0"/>
               <a:t>第 </a:t>
             </a:r>
             <a:r>
-              <a:rPr kumimoji="1" lang="en-US" altLang="ja-JP" smtClean="0"/>
+              <a:rPr lang="en-US" altLang="ja-JP" smtClean="0"/>
               <a:t>5 </a:t>
             </a:r>
             <a:r>
-              <a:rPr kumimoji="1" lang="ja-JP" altLang="en-US" smtClean="0"/>
+              <a:rPr lang="ja-JP" altLang="en-US" smtClean="0"/>
               <a:t>レベル</a:t>
             </a:r>
-            <a:endParaRPr kumimoji="1" lang="ja-JP" altLang="en-US"/>
-          </a:p>
-        </p:txBody>
-      </p:sp>
-      <p:sp>
-        <p:nvSpPr>
-          <p:cNvPr id="4" name="日付プレースホルダー 3"/>
+            <a:endParaRPr lang="en-US" dirty="0"/>
+          </a:p>
+        </p:txBody>
+      </p:sp>
+      <p:sp>
+        <p:nvSpPr>
+          <p:cNvPr id="4" name="Date Placeholder 3"/>
           <p:cNvSpPr>
             <a:spLocks noGrp="1"/>
           </p:cNvSpPr>
@@ -871,7 +873,7 @@
       </p:sp>
       <p:sp>
         <p:nvSpPr>
-          <p:cNvPr id="5" name="フッター プレースホルダー 4"/>
+          <p:cNvPr id="5" name="Footer Placeholder 4"/>
           <p:cNvSpPr>
             <a:spLocks noGrp="1"/>
           </p:cNvSpPr>
@@ -890,7 +892,7 @@
       </p:sp>
       <p:sp>
         <p:nvSpPr>
-          <p:cNvPr id="6" name="スライド番号プレースホルダー 5"/>
+          <p:cNvPr id="6" name="Slide Number Placeholder 5"/>
           <p:cNvSpPr>
             <a:spLocks noGrp="1"/>
           </p:cNvSpPr>
@@ -914,7 +916,7 @@
     </p:spTree>
     <p:extLst>
       <p:ext uri="{BB962C8B-B14F-4D97-AF65-F5344CB8AC3E}">
-        <p14:creationId xmlns:p14="http://schemas.microsoft.com/office/powerpoint/2010/main" val="1528552828"/>
+        <p14:creationId xmlns:p14="http://schemas.microsoft.com/office/powerpoint/2010/main" val="2541325023"/>
       </p:ext>
     </p:extLst>
   </p:cSld>
@@ -943,7 +945,7 @@
       </p:grpSpPr>
       <p:sp>
         <p:nvSpPr>
-          <p:cNvPr id="2" name="タイトル 1"/>
+          <p:cNvPr id="2" name="Title 1"/>
           <p:cNvSpPr>
             <a:spLocks noGrp="1"/>
           </p:cNvSpPr>
@@ -966,16 +968,16 @@
           </a:lstStyle>
           <a:p>
             <a:r>
-              <a:rPr kumimoji="1" lang="ja-JP" altLang="en-US" smtClean="0"/>
+              <a:rPr lang="ja-JP" altLang="en-US" smtClean="0"/>
               <a:t>マスター タイトルの書式設定</a:t>
             </a:r>
-            <a:endParaRPr kumimoji="1" lang="ja-JP" altLang="en-US"/>
-          </a:p>
-        </p:txBody>
-      </p:sp>
-      <p:sp>
-        <p:nvSpPr>
-          <p:cNvPr id="3" name="テキスト プレースホルダー 2"/>
+            <a:endParaRPr lang="en-US" dirty="0"/>
+          </a:p>
+        </p:txBody>
+      </p:sp>
+      <p:sp>
+        <p:nvSpPr>
+          <p:cNvPr id="3" name="Text Placeholder 2"/>
           <p:cNvSpPr>
             <a:spLocks noGrp="1"/>
           </p:cNvSpPr>
@@ -1086,7 +1088,7 @@
           <a:p>
             <a:pPr lvl="0"/>
             <a:r>
-              <a:rPr kumimoji="1" lang="ja-JP" altLang="en-US" smtClean="0"/>
+              <a:rPr lang="ja-JP" altLang="en-US" smtClean="0"/>
               <a:t>マスター テキストの書式設定</a:t>
             </a:r>
           </a:p>
@@ -1094,7 +1096,7 @@
       </p:sp>
       <p:sp>
         <p:nvSpPr>
-          <p:cNvPr id="4" name="日付プレースホルダー 3"/>
+          <p:cNvPr id="4" name="Date Placeholder 3"/>
           <p:cNvSpPr>
             <a:spLocks noGrp="1"/>
           </p:cNvSpPr>
@@ -1117,7 +1119,7 @@
       </p:sp>
       <p:sp>
         <p:nvSpPr>
-          <p:cNvPr id="5" name="フッター プレースホルダー 4"/>
+          <p:cNvPr id="5" name="Footer Placeholder 4"/>
           <p:cNvSpPr>
             <a:spLocks noGrp="1"/>
           </p:cNvSpPr>
@@ -1136,7 +1138,7 @@
       </p:sp>
       <p:sp>
         <p:nvSpPr>
-          <p:cNvPr id="6" name="スライド番号プレースホルダー 5"/>
+          <p:cNvPr id="6" name="Slide Number Placeholder 5"/>
           <p:cNvSpPr>
             <a:spLocks noGrp="1"/>
           </p:cNvSpPr>
@@ -1160,7 +1162,7 @@
     </p:spTree>
     <p:extLst>
       <p:ext uri="{BB962C8B-B14F-4D97-AF65-F5344CB8AC3E}">
-        <p14:creationId xmlns:p14="http://schemas.microsoft.com/office/powerpoint/2010/main" val="3674155582"/>
+        <p14:creationId xmlns:p14="http://schemas.microsoft.com/office/powerpoint/2010/main" val="2532343986"/>
       </p:ext>
     </p:extLst>
   </p:cSld>
@@ -1189,7 +1191,7 @@
       </p:grpSpPr>
       <p:sp>
         <p:nvSpPr>
-          <p:cNvPr id="2" name="タイトル 1"/>
+          <p:cNvPr id="2" name="Title 1"/>
           <p:cNvSpPr>
             <a:spLocks noGrp="1"/>
           </p:cNvSpPr>
@@ -1203,16 +1205,16 @@
           <a:lstStyle/>
           <a:p>
             <a:r>
-              <a:rPr kumimoji="1" lang="ja-JP" altLang="en-US" smtClean="0"/>
+              <a:rPr lang="ja-JP" altLang="en-US" smtClean="0"/>
               <a:t>マスター タイトルの書式設定</a:t>
             </a:r>
-            <a:endParaRPr kumimoji="1" lang="ja-JP" altLang="en-US"/>
-          </a:p>
-        </p:txBody>
-      </p:sp>
-      <p:sp>
-        <p:nvSpPr>
-          <p:cNvPr id="3" name="コンテンツ プレースホルダー 2"/>
+            <a:endParaRPr lang="en-US" dirty="0"/>
+          </a:p>
+        </p:txBody>
+      </p:sp>
+      <p:sp>
+        <p:nvSpPr>
+          <p:cNvPr id="3" name="Content Placeholder 2"/>
           <p:cNvSpPr>
             <a:spLocks noGrp="1"/>
           </p:cNvSpPr>
@@ -1232,76 +1234,76 @@
           <a:p>
             <a:pPr lvl="0"/>
             <a:r>
-              <a:rPr kumimoji="1" lang="ja-JP" altLang="en-US" smtClean="0"/>
+              <a:rPr lang="ja-JP" altLang="en-US" smtClean="0"/>
               <a:t>マスター テキストの書式設定</a:t>
             </a:r>
           </a:p>
           <a:p>
             <a:pPr lvl="1"/>
             <a:r>
-              <a:rPr kumimoji="1" lang="ja-JP" altLang="en-US" smtClean="0"/>
+              <a:rPr lang="ja-JP" altLang="en-US" smtClean="0"/>
               <a:t>第 </a:t>
             </a:r>
             <a:r>
-              <a:rPr kumimoji="1" lang="en-US" altLang="ja-JP" smtClean="0"/>
+              <a:rPr lang="en-US" altLang="ja-JP" smtClean="0"/>
               <a:t>2 </a:t>
             </a:r>
             <a:r>
-              <a:rPr kumimoji="1" lang="ja-JP" altLang="en-US" smtClean="0"/>
+              <a:rPr lang="ja-JP" altLang="en-US" smtClean="0"/>
               <a:t>レベル</a:t>
             </a:r>
           </a:p>
           <a:p>
             <a:pPr lvl="2"/>
             <a:r>
-              <a:rPr kumimoji="1" lang="ja-JP" altLang="en-US" smtClean="0"/>
+              <a:rPr lang="ja-JP" altLang="en-US" smtClean="0"/>
               <a:t>第 </a:t>
             </a:r>
             <a:r>
-              <a:rPr kumimoji="1" lang="en-US" altLang="ja-JP" smtClean="0"/>
+              <a:rPr lang="en-US" altLang="ja-JP" smtClean="0"/>
               <a:t>3 </a:t>
             </a:r>
             <a:r>
-              <a:rPr kumimoji="1" lang="ja-JP" altLang="en-US" smtClean="0"/>
+              <a:rPr lang="ja-JP" altLang="en-US" smtClean="0"/>
               <a:t>レベル</a:t>
             </a:r>
           </a:p>
           <a:p>
             <a:pPr lvl="3"/>
             <a:r>
-              <a:rPr kumimoji="1" lang="ja-JP" altLang="en-US" smtClean="0"/>
+              <a:rPr lang="ja-JP" altLang="en-US" smtClean="0"/>
               <a:t>第 </a:t>
             </a:r>
             <a:r>
-              <a:rPr kumimoji="1" lang="en-US" altLang="ja-JP" smtClean="0"/>
+              <a:rPr lang="en-US" altLang="ja-JP" smtClean="0"/>
               <a:t>4 </a:t>
             </a:r>
             <a:r>
-              <a:rPr kumimoji="1" lang="ja-JP" altLang="en-US" smtClean="0"/>
+              <a:rPr lang="ja-JP" altLang="en-US" smtClean="0"/>
               <a:t>レベル</a:t>
             </a:r>
           </a:p>
           <a:p>
             <a:pPr lvl="4"/>
             <a:r>
-              <a:rPr kumimoji="1" lang="ja-JP" altLang="en-US" smtClean="0"/>
+              <a:rPr lang="ja-JP" altLang="en-US" smtClean="0"/>
               <a:t>第 </a:t>
             </a:r>
             <a:r>
-              <a:rPr kumimoji="1" lang="en-US" altLang="ja-JP" smtClean="0"/>
+              <a:rPr lang="en-US" altLang="ja-JP" smtClean="0"/>
               <a:t>5 </a:t>
             </a:r>
             <a:r>
-              <a:rPr kumimoji="1" lang="ja-JP" altLang="en-US" smtClean="0"/>
+              <a:rPr lang="ja-JP" altLang="en-US" smtClean="0"/>
               <a:t>レベル</a:t>
             </a:r>
-            <a:endParaRPr kumimoji="1" lang="ja-JP" altLang="en-US"/>
-          </a:p>
-        </p:txBody>
-      </p:sp>
-      <p:sp>
-        <p:nvSpPr>
-          <p:cNvPr id="4" name="コンテンツ プレースホルダー 3"/>
+            <a:endParaRPr lang="en-US" dirty="0"/>
+          </a:p>
+        </p:txBody>
+      </p:sp>
+      <p:sp>
+        <p:nvSpPr>
+          <p:cNvPr id="4" name="Content Placeholder 3"/>
           <p:cNvSpPr>
             <a:spLocks noGrp="1"/>
           </p:cNvSpPr>
@@ -1321,76 +1323,76 @@
           <a:p>
             <a:pPr lvl="0"/>
             <a:r>
-              <a:rPr kumimoji="1" lang="ja-JP" altLang="en-US" smtClean="0"/>
+              <a:rPr lang="ja-JP" altLang="en-US" smtClean="0"/>
               <a:t>マスター テキストの書式設定</a:t>
             </a:r>
           </a:p>
           <a:p>
             <a:pPr lvl="1"/>
             <a:r>
-              <a:rPr kumimoji="1" lang="ja-JP" altLang="en-US" smtClean="0"/>
+              <a:rPr lang="ja-JP" altLang="en-US" smtClean="0"/>
               <a:t>第 </a:t>
             </a:r>
             <a:r>
-              <a:rPr kumimoji="1" lang="en-US" altLang="ja-JP" smtClean="0"/>
+              <a:rPr lang="en-US" altLang="ja-JP" smtClean="0"/>
               <a:t>2 </a:t>
             </a:r>
             <a:r>
-              <a:rPr kumimoji="1" lang="ja-JP" altLang="en-US" smtClean="0"/>
+              <a:rPr lang="ja-JP" altLang="en-US" smtClean="0"/>
               <a:t>レベル</a:t>
             </a:r>
           </a:p>
           <a:p>
             <a:pPr lvl="2"/>
             <a:r>
-              <a:rPr kumimoji="1" lang="ja-JP" altLang="en-US" smtClean="0"/>
+              <a:rPr lang="ja-JP" altLang="en-US" smtClean="0"/>
               <a:t>第 </a:t>
             </a:r>
             <a:r>
-              <a:rPr kumimoji="1" lang="en-US" altLang="ja-JP" smtClean="0"/>
+              <a:rPr lang="en-US" altLang="ja-JP" smtClean="0"/>
               <a:t>3 </a:t>
             </a:r>
             <a:r>
-              <a:rPr kumimoji="1" lang="ja-JP" altLang="en-US" smtClean="0"/>
+              <a:rPr lang="ja-JP" altLang="en-US" smtClean="0"/>
               <a:t>レベル</a:t>
             </a:r>
           </a:p>
           <a:p>
             <a:pPr lvl="3"/>
             <a:r>
-              <a:rPr kumimoji="1" lang="ja-JP" altLang="en-US" smtClean="0"/>
+              <a:rPr lang="ja-JP" altLang="en-US" smtClean="0"/>
               <a:t>第 </a:t>
             </a:r>
             <a:r>
-              <a:rPr kumimoji="1" lang="en-US" altLang="ja-JP" smtClean="0"/>
+              <a:rPr lang="en-US" altLang="ja-JP" smtClean="0"/>
               <a:t>4 </a:t>
             </a:r>
             <a:r>
-              <a:rPr kumimoji="1" lang="ja-JP" altLang="en-US" smtClean="0"/>
+              <a:rPr lang="ja-JP" altLang="en-US" smtClean="0"/>
               <a:t>レベル</a:t>
             </a:r>
           </a:p>
           <a:p>
             <a:pPr lvl="4"/>
             <a:r>
-              <a:rPr kumimoji="1" lang="ja-JP" altLang="en-US" smtClean="0"/>
+              <a:rPr lang="ja-JP" altLang="en-US" smtClean="0"/>
               <a:t>第 </a:t>
             </a:r>
             <a:r>
-              <a:rPr kumimoji="1" lang="en-US" altLang="ja-JP" smtClean="0"/>
+              <a:rPr lang="en-US" altLang="ja-JP" smtClean="0"/>
               <a:t>5 </a:t>
             </a:r>
             <a:r>
-              <a:rPr kumimoji="1" lang="ja-JP" altLang="en-US" smtClean="0"/>
+              <a:rPr lang="ja-JP" altLang="en-US" smtClean="0"/>
               <a:t>レベル</a:t>
             </a:r>
-            <a:endParaRPr kumimoji="1" lang="ja-JP" altLang="en-US"/>
-          </a:p>
-        </p:txBody>
-      </p:sp>
-      <p:sp>
-        <p:nvSpPr>
-          <p:cNvPr id="5" name="日付プレースホルダー 4"/>
+            <a:endParaRPr lang="en-US" dirty="0"/>
+          </a:p>
+        </p:txBody>
+      </p:sp>
+      <p:sp>
+        <p:nvSpPr>
+          <p:cNvPr id="5" name="Date Placeholder 4"/>
           <p:cNvSpPr>
             <a:spLocks noGrp="1"/>
           </p:cNvSpPr>
@@ -1413,7 +1415,7 @@
       </p:sp>
       <p:sp>
         <p:nvSpPr>
-          <p:cNvPr id="6" name="フッター プレースホルダー 5"/>
+          <p:cNvPr id="6" name="Footer Placeholder 5"/>
           <p:cNvSpPr>
             <a:spLocks noGrp="1"/>
           </p:cNvSpPr>
@@ -1432,7 +1434,7 @@
       </p:sp>
       <p:sp>
         <p:nvSpPr>
-          <p:cNvPr id="7" name="スライド番号プレースホルダー 6"/>
+          <p:cNvPr id="7" name="Slide Number Placeholder 6"/>
           <p:cNvSpPr>
             <a:spLocks noGrp="1"/>
           </p:cNvSpPr>
@@ -1456,7 +1458,7 @@
     </p:spTree>
     <p:extLst>
       <p:ext uri="{BB962C8B-B14F-4D97-AF65-F5344CB8AC3E}">
-        <p14:creationId xmlns:p14="http://schemas.microsoft.com/office/powerpoint/2010/main" val="2226186101"/>
+        <p14:creationId xmlns:p14="http://schemas.microsoft.com/office/powerpoint/2010/main" val="3517882979"/>
       </p:ext>
     </p:extLst>
   </p:cSld>
@@ -1485,7 +1487,7 @@
       </p:grpSpPr>
       <p:sp>
         <p:nvSpPr>
-          <p:cNvPr id="2" name="タイトル 1"/>
+          <p:cNvPr id="2" name="Title 1"/>
           <p:cNvSpPr>
             <a:spLocks noGrp="1"/>
           </p:cNvSpPr>
@@ -1504,16 +1506,16 @@
           <a:lstStyle/>
           <a:p>
             <a:r>
-              <a:rPr kumimoji="1" lang="ja-JP" altLang="en-US" smtClean="0"/>
+              <a:rPr lang="ja-JP" altLang="en-US" smtClean="0"/>
               <a:t>マスター タイトルの書式設定</a:t>
             </a:r>
-            <a:endParaRPr kumimoji="1" lang="ja-JP" altLang="en-US"/>
-          </a:p>
-        </p:txBody>
-      </p:sp>
-      <p:sp>
-        <p:nvSpPr>
-          <p:cNvPr id="3" name="テキスト プレースホルダー 2"/>
+            <a:endParaRPr lang="en-US" dirty="0"/>
+          </a:p>
+        </p:txBody>
+      </p:sp>
+      <p:sp>
+        <p:nvSpPr>
+          <p:cNvPr id="3" name="Text Placeholder 2"/>
           <p:cNvSpPr>
             <a:spLocks noGrp="1"/>
           </p:cNvSpPr>
@@ -1570,7 +1572,7 @@
           <a:p>
             <a:pPr lvl="0"/>
             <a:r>
-              <a:rPr kumimoji="1" lang="ja-JP" altLang="en-US" smtClean="0"/>
+              <a:rPr lang="ja-JP" altLang="en-US" smtClean="0"/>
               <a:t>マスター テキストの書式設定</a:t>
             </a:r>
           </a:p>
@@ -1578,7 +1580,7 @@
       </p:sp>
       <p:sp>
         <p:nvSpPr>
-          <p:cNvPr id="4" name="コンテンツ プレースホルダー 3"/>
+          <p:cNvPr id="4" name="Content Placeholder 3"/>
           <p:cNvSpPr>
             <a:spLocks noGrp="1"/>
           </p:cNvSpPr>
@@ -1598,76 +1600,76 @@
           <a:p>
             <a:pPr lvl="0"/>
             <a:r>
-              <a:rPr kumimoji="1" lang="ja-JP" altLang="en-US" smtClean="0"/>
+              <a:rPr lang="ja-JP" altLang="en-US" smtClean="0"/>
               <a:t>マスター テキストの書式設定</a:t>
             </a:r>
           </a:p>
           <a:p>
             <a:pPr lvl="1"/>
             <a:r>
-              <a:rPr kumimoji="1" lang="ja-JP" altLang="en-US" smtClean="0"/>
+              <a:rPr lang="ja-JP" altLang="en-US" smtClean="0"/>
               <a:t>第 </a:t>
             </a:r>
             <a:r>
-              <a:rPr kumimoji="1" lang="en-US" altLang="ja-JP" smtClean="0"/>
+              <a:rPr lang="en-US" altLang="ja-JP" smtClean="0"/>
               <a:t>2 </a:t>
             </a:r>
             <a:r>
-              <a:rPr kumimoji="1" lang="ja-JP" altLang="en-US" smtClean="0"/>
+              <a:rPr lang="ja-JP" altLang="en-US" smtClean="0"/>
               <a:t>レベル</a:t>
             </a:r>
           </a:p>
           <a:p>
             <a:pPr lvl="2"/>
             <a:r>
-              <a:rPr kumimoji="1" lang="ja-JP" altLang="en-US" smtClean="0"/>
+              <a:rPr lang="ja-JP" altLang="en-US" smtClean="0"/>
               <a:t>第 </a:t>
             </a:r>
             <a:r>
-              <a:rPr kumimoji="1" lang="en-US" altLang="ja-JP" smtClean="0"/>
+              <a:rPr lang="en-US" altLang="ja-JP" smtClean="0"/>
               <a:t>3 </a:t>
             </a:r>
             <a:r>
-              <a:rPr kumimoji="1" lang="ja-JP" altLang="en-US" smtClean="0"/>
+              <a:rPr lang="ja-JP" altLang="en-US" smtClean="0"/>
               <a:t>レベル</a:t>
             </a:r>
           </a:p>
           <a:p>
             <a:pPr lvl="3"/>
             <a:r>
-              <a:rPr kumimoji="1" lang="ja-JP" altLang="en-US" smtClean="0"/>
+              <a:rPr lang="ja-JP" altLang="en-US" smtClean="0"/>
               <a:t>第 </a:t>
             </a:r>
             <a:r>
-              <a:rPr kumimoji="1" lang="en-US" altLang="ja-JP" smtClean="0"/>
+              <a:rPr lang="en-US" altLang="ja-JP" smtClean="0"/>
               <a:t>4 </a:t>
             </a:r>
             <a:r>
-              <a:rPr kumimoji="1" lang="ja-JP" altLang="en-US" smtClean="0"/>
+              <a:rPr lang="ja-JP" altLang="en-US" smtClean="0"/>
               <a:t>レベル</a:t>
             </a:r>
           </a:p>
           <a:p>
             <a:pPr lvl="4"/>
             <a:r>
-              <a:rPr kumimoji="1" lang="ja-JP" altLang="en-US" smtClean="0"/>
+              <a:rPr lang="ja-JP" altLang="en-US" smtClean="0"/>
               <a:t>第 </a:t>
             </a:r>
             <a:r>
-              <a:rPr kumimoji="1" lang="en-US" altLang="ja-JP" smtClean="0"/>
+              <a:rPr lang="en-US" altLang="ja-JP" smtClean="0"/>
               <a:t>5 </a:t>
             </a:r>
             <a:r>
-              <a:rPr kumimoji="1" lang="ja-JP" altLang="en-US" smtClean="0"/>
+              <a:rPr lang="ja-JP" altLang="en-US" smtClean="0"/>
               <a:t>レベル</a:t>
             </a:r>
-            <a:endParaRPr kumimoji="1" lang="ja-JP" altLang="en-US"/>
-          </a:p>
-        </p:txBody>
-      </p:sp>
-      <p:sp>
-        <p:nvSpPr>
-          <p:cNvPr id="5" name="テキスト プレースホルダー 4"/>
+            <a:endParaRPr lang="en-US" dirty="0"/>
+          </a:p>
+        </p:txBody>
+      </p:sp>
+      <p:sp>
+        <p:nvSpPr>
+          <p:cNvPr id="5" name="Text Placeholder 4"/>
           <p:cNvSpPr>
             <a:spLocks noGrp="1"/>
           </p:cNvSpPr>
@@ -1724,7 +1726,7 @@
           <a:p>
             <a:pPr lvl="0"/>
             <a:r>
-              <a:rPr kumimoji="1" lang="ja-JP" altLang="en-US" smtClean="0"/>
+              <a:rPr lang="ja-JP" altLang="en-US" smtClean="0"/>
               <a:t>マスター テキストの書式設定</a:t>
             </a:r>
           </a:p>
@@ -1732,7 +1734,7 @@
       </p:sp>
       <p:sp>
         <p:nvSpPr>
-          <p:cNvPr id="6" name="コンテンツ プレースホルダー 5"/>
+          <p:cNvPr id="6" name="Content Placeholder 5"/>
           <p:cNvSpPr>
             <a:spLocks noGrp="1"/>
           </p:cNvSpPr>
@@ -1752,76 +1754,76 @@
           <a:p>
             <a:pPr lvl="0"/>
             <a:r>
-              <a:rPr kumimoji="1" lang="ja-JP" altLang="en-US" smtClean="0"/>
+              <a:rPr lang="ja-JP" altLang="en-US" smtClean="0"/>
               <a:t>マスター テキストの書式設定</a:t>
             </a:r>
           </a:p>
           <a:p>
             <a:pPr lvl="1"/>
             <a:r>
-              <a:rPr kumimoji="1" lang="ja-JP" altLang="en-US" smtClean="0"/>
+              <a:rPr lang="ja-JP" altLang="en-US" smtClean="0"/>
               <a:t>第 </a:t>
             </a:r>
             <a:r>
-              <a:rPr kumimoji="1" lang="en-US" altLang="ja-JP" smtClean="0"/>
+              <a:rPr lang="en-US" altLang="ja-JP" smtClean="0"/>
               <a:t>2 </a:t>
             </a:r>
             <a:r>
-              <a:rPr kumimoji="1" lang="ja-JP" altLang="en-US" smtClean="0"/>
+              <a:rPr lang="ja-JP" altLang="en-US" smtClean="0"/>
               <a:t>レベル</a:t>
             </a:r>
           </a:p>
           <a:p>
             <a:pPr lvl="2"/>
             <a:r>
-              <a:rPr kumimoji="1" lang="ja-JP" altLang="en-US" smtClean="0"/>
+              <a:rPr lang="ja-JP" altLang="en-US" smtClean="0"/>
               <a:t>第 </a:t>
             </a:r>
             <a:r>
-              <a:rPr kumimoji="1" lang="en-US" altLang="ja-JP" smtClean="0"/>
+              <a:rPr lang="en-US" altLang="ja-JP" smtClean="0"/>
               <a:t>3 </a:t>
             </a:r>
             <a:r>
-              <a:rPr kumimoji="1" lang="ja-JP" altLang="en-US" smtClean="0"/>
+              <a:rPr lang="ja-JP" altLang="en-US" smtClean="0"/>
               <a:t>レベル</a:t>
             </a:r>
           </a:p>
           <a:p>
             <a:pPr lvl="3"/>
             <a:r>
-              <a:rPr kumimoji="1" lang="ja-JP" altLang="en-US" smtClean="0"/>
+              <a:rPr lang="ja-JP" altLang="en-US" smtClean="0"/>
               <a:t>第 </a:t>
             </a:r>
             <a:r>
-              <a:rPr kumimoji="1" lang="en-US" altLang="ja-JP" smtClean="0"/>
+              <a:rPr lang="en-US" altLang="ja-JP" smtClean="0"/>
               <a:t>4 </a:t>
             </a:r>
             <a:r>
-              <a:rPr kumimoji="1" lang="ja-JP" altLang="en-US" smtClean="0"/>
+              <a:rPr lang="ja-JP" altLang="en-US" smtClean="0"/>
               <a:t>レベル</a:t>
             </a:r>
           </a:p>
           <a:p>
             <a:pPr lvl="4"/>
             <a:r>
-              <a:rPr kumimoji="1" lang="ja-JP" altLang="en-US" smtClean="0"/>
+              <a:rPr lang="ja-JP" altLang="en-US" smtClean="0"/>
               <a:t>第 </a:t>
             </a:r>
             <a:r>
-              <a:rPr kumimoji="1" lang="en-US" altLang="ja-JP" smtClean="0"/>
+              <a:rPr lang="en-US" altLang="ja-JP" smtClean="0"/>
               <a:t>5 </a:t>
             </a:r>
             <a:r>
-              <a:rPr kumimoji="1" lang="ja-JP" altLang="en-US" smtClean="0"/>
+              <a:rPr lang="ja-JP" altLang="en-US" smtClean="0"/>
               <a:t>レベル</a:t>
             </a:r>
-            <a:endParaRPr kumimoji="1" lang="ja-JP" altLang="en-US"/>
-          </a:p>
-        </p:txBody>
-      </p:sp>
-      <p:sp>
-        <p:nvSpPr>
-          <p:cNvPr id="7" name="日付プレースホルダー 6"/>
+            <a:endParaRPr lang="en-US" dirty="0"/>
+          </a:p>
+        </p:txBody>
+      </p:sp>
+      <p:sp>
+        <p:nvSpPr>
+          <p:cNvPr id="7" name="Date Placeholder 6"/>
           <p:cNvSpPr>
             <a:spLocks noGrp="1"/>
           </p:cNvSpPr>
@@ -1844,7 +1846,7 @@
       </p:sp>
       <p:sp>
         <p:nvSpPr>
-          <p:cNvPr id="8" name="フッター プレースホルダー 7"/>
+          <p:cNvPr id="8" name="Footer Placeholder 7"/>
           <p:cNvSpPr>
             <a:spLocks noGrp="1"/>
           </p:cNvSpPr>
@@ -1863,7 +1865,7 @@
       </p:sp>
       <p:sp>
         <p:nvSpPr>
-          <p:cNvPr id="9" name="スライド番号プレースホルダー 8"/>
+          <p:cNvPr id="9" name="Slide Number Placeholder 8"/>
           <p:cNvSpPr>
             <a:spLocks noGrp="1"/>
           </p:cNvSpPr>
@@ -1887,7 +1889,7 @@
     </p:spTree>
     <p:extLst>
       <p:ext uri="{BB962C8B-B14F-4D97-AF65-F5344CB8AC3E}">
-        <p14:creationId xmlns:p14="http://schemas.microsoft.com/office/powerpoint/2010/main" val="790674414"/>
+        <p14:creationId xmlns:p14="http://schemas.microsoft.com/office/powerpoint/2010/main" val="1226915678"/>
       </p:ext>
     </p:extLst>
   </p:cSld>
@@ -1916,7 +1918,7 @@
       </p:grpSpPr>
       <p:sp>
         <p:nvSpPr>
-          <p:cNvPr id="2" name="タイトル 1"/>
+          <p:cNvPr id="2" name="Title 1"/>
           <p:cNvSpPr>
             <a:spLocks noGrp="1"/>
           </p:cNvSpPr>
@@ -1930,16 +1932,16 @@
           <a:lstStyle/>
           <a:p>
             <a:r>
-              <a:rPr kumimoji="1" lang="ja-JP" altLang="en-US" smtClean="0"/>
+              <a:rPr lang="ja-JP" altLang="en-US" smtClean="0"/>
               <a:t>マスター タイトルの書式設定</a:t>
             </a:r>
-            <a:endParaRPr kumimoji="1" lang="ja-JP" altLang="en-US"/>
-          </a:p>
-        </p:txBody>
-      </p:sp>
-      <p:sp>
-        <p:nvSpPr>
-          <p:cNvPr id="3" name="日付プレースホルダー 2"/>
+            <a:endParaRPr lang="en-US" dirty="0"/>
+          </a:p>
+        </p:txBody>
+      </p:sp>
+      <p:sp>
+        <p:nvSpPr>
+          <p:cNvPr id="3" name="Date Placeholder 2"/>
           <p:cNvSpPr>
             <a:spLocks noGrp="1"/>
           </p:cNvSpPr>
@@ -1962,7 +1964,7 @@
       </p:sp>
       <p:sp>
         <p:nvSpPr>
-          <p:cNvPr id="4" name="フッター プレースホルダー 3"/>
+          <p:cNvPr id="4" name="Footer Placeholder 3"/>
           <p:cNvSpPr>
             <a:spLocks noGrp="1"/>
           </p:cNvSpPr>
@@ -1981,7 +1983,7 @@
       </p:sp>
       <p:sp>
         <p:nvSpPr>
-          <p:cNvPr id="5" name="スライド番号プレースホルダー 4"/>
+          <p:cNvPr id="5" name="Slide Number Placeholder 4"/>
           <p:cNvSpPr>
             <a:spLocks noGrp="1"/>
           </p:cNvSpPr>
@@ -2005,7 +2007,7 @@
     </p:spTree>
     <p:extLst>
       <p:ext uri="{BB962C8B-B14F-4D97-AF65-F5344CB8AC3E}">
-        <p14:creationId xmlns:p14="http://schemas.microsoft.com/office/powerpoint/2010/main" val="4237726586"/>
+        <p14:creationId xmlns:p14="http://schemas.microsoft.com/office/powerpoint/2010/main" val="2617295080"/>
       </p:ext>
     </p:extLst>
   </p:cSld>
@@ -2034,7 +2036,7 @@
       </p:grpSpPr>
       <p:sp>
         <p:nvSpPr>
-          <p:cNvPr id="2" name="日付プレースホルダー 1"/>
+          <p:cNvPr id="2" name="Date Placeholder 1"/>
           <p:cNvSpPr>
             <a:spLocks noGrp="1"/>
           </p:cNvSpPr>
@@ -2057,7 +2059,7 @@
       </p:sp>
       <p:sp>
         <p:nvSpPr>
-          <p:cNvPr id="3" name="フッター プレースホルダー 2"/>
+          <p:cNvPr id="3" name="Footer Placeholder 2"/>
           <p:cNvSpPr>
             <a:spLocks noGrp="1"/>
           </p:cNvSpPr>
@@ -2076,7 +2078,7 @@
       </p:sp>
       <p:sp>
         <p:nvSpPr>
-          <p:cNvPr id="4" name="スライド番号プレースホルダー 3"/>
+          <p:cNvPr id="4" name="Slide Number Placeholder 3"/>
           <p:cNvSpPr>
             <a:spLocks noGrp="1"/>
           </p:cNvSpPr>
@@ -2100,7 +2102,7 @@
     </p:spTree>
     <p:extLst>
       <p:ext uri="{BB962C8B-B14F-4D97-AF65-F5344CB8AC3E}">
-        <p14:creationId xmlns:p14="http://schemas.microsoft.com/office/powerpoint/2010/main" val="1214652111"/>
+        <p14:creationId xmlns:p14="http://schemas.microsoft.com/office/powerpoint/2010/main" val="32636936"/>
       </p:ext>
     </p:extLst>
   </p:cSld>
@@ -2129,7 +2131,7 @@
       </p:grpSpPr>
       <p:sp>
         <p:nvSpPr>
-          <p:cNvPr id="2" name="タイトル 1"/>
+          <p:cNvPr id="2" name="Title 1"/>
           <p:cNvSpPr>
             <a:spLocks noGrp="1"/>
           </p:cNvSpPr>
@@ -2152,16 +2154,16 @@
           </a:lstStyle>
           <a:p>
             <a:r>
-              <a:rPr kumimoji="1" lang="ja-JP" altLang="en-US" smtClean="0"/>
+              <a:rPr lang="ja-JP" altLang="en-US" smtClean="0"/>
               <a:t>マスター タイトルの書式設定</a:t>
             </a:r>
-            <a:endParaRPr kumimoji="1" lang="ja-JP" altLang="en-US"/>
-          </a:p>
-        </p:txBody>
-      </p:sp>
-      <p:sp>
-        <p:nvSpPr>
-          <p:cNvPr id="3" name="コンテンツ プレースホルダー 2"/>
+            <a:endParaRPr lang="en-US" dirty="0"/>
+          </a:p>
+        </p:txBody>
+      </p:sp>
+      <p:sp>
+        <p:nvSpPr>
+          <p:cNvPr id="3" name="Content Placeholder 2"/>
           <p:cNvSpPr>
             <a:spLocks noGrp="1"/>
           </p:cNvSpPr>
@@ -2209,76 +2211,76 @@
           <a:p>
             <a:pPr lvl="0"/>
             <a:r>
-              <a:rPr kumimoji="1" lang="ja-JP" altLang="en-US" smtClean="0"/>
+              <a:rPr lang="ja-JP" altLang="en-US" smtClean="0"/>
               <a:t>マスター テキストの書式設定</a:t>
             </a:r>
           </a:p>
           <a:p>
             <a:pPr lvl="1"/>
             <a:r>
-              <a:rPr kumimoji="1" lang="ja-JP" altLang="en-US" smtClean="0"/>
+              <a:rPr lang="ja-JP" altLang="en-US" smtClean="0"/>
               <a:t>第 </a:t>
             </a:r>
             <a:r>
-              <a:rPr kumimoji="1" lang="en-US" altLang="ja-JP" smtClean="0"/>
+              <a:rPr lang="en-US" altLang="ja-JP" smtClean="0"/>
               <a:t>2 </a:t>
             </a:r>
             <a:r>
-              <a:rPr kumimoji="1" lang="ja-JP" altLang="en-US" smtClean="0"/>
+              <a:rPr lang="ja-JP" altLang="en-US" smtClean="0"/>
               <a:t>レベル</a:t>
             </a:r>
           </a:p>
           <a:p>
             <a:pPr lvl="2"/>
             <a:r>
-              <a:rPr kumimoji="1" lang="ja-JP" altLang="en-US" smtClean="0"/>
+              <a:rPr lang="ja-JP" altLang="en-US" smtClean="0"/>
               <a:t>第 </a:t>
             </a:r>
             <a:r>
-              <a:rPr kumimoji="1" lang="en-US" altLang="ja-JP" smtClean="0"/>
+              <a:rPr lang="en-US" altLang="ja-JP" smtClean="0"/>
               <a:t>3 </a:t>
             </a:r>
             <a:r>
-              <a:rPr kumimoji="1" lang="ja-JP" altLang="en-US" smtClean="0"/>
+              <a:rPr lang="ja-JP" altLang="en-US" smtClean="0"/>
               <a:t>レベル</a:t>
             </a:r>
           </a:p>
           <a:p>
             <a:pPr lvl="3"/>
             <a:r>
-              <a:rPr kumimoji="1" lang="ja-JP" altLang="en-US" smtClean="0"/>
+              <a:rPr lang="ja-JP" altLang="en-US" smtClean="0"/>
               <a:t>第 </a:t>
             </a:r>
             <a:r>
-              <a:rPr kumimoji="1" lang="en-US" altLang="ja-JP" smtClean="0"/>
+              <a:rPr lang="en-US" altLang="ja-JP" smtClean="0"/>
               <a:t>4 </a:t>
             </a:r>
             <a:r>
-              <a:rPr kumimoji="1" lang="ja-JP" altLang="en-US" smtClean="0"/>
+              <a:rPr lang="ja-JP" altLang="en-US" smtClean="0"/>
               <a:t>レベル</a:t>
             </a:r>
           </a:p>
           <a:p>
             <a:pPr lvl="4"/>
             <a:r>
-              <a:rPr kumimoji="1" lang="ja-JP" altLang="en-US" smtClean="0"/>
+              <a:rPr lang="ja-JP" altLang="en-US" smtClean="0"/>
               <a:t>第 </a:t>
             </a:r>
             <a:r>
-              <a:rPr kumimoji="1" lang="en-US" altLang="ja-JP" smtClean="0"/>
+              <a:rPr lang="en-US" altLang="ja-JP" smtClean="0"/>
               <a:t>5 </a:t>
             </a:r>
             <a:r>
-              <a:rPr kumimoji="1" lang="ja-JP" altLang="en-US" smtClean="0"/>
+              <a:rPr lang="ja-JP" altLang="en-US" smtClean="0"/>
               <a:t>レベル</a:t>
             </a:r>
-            <a:endParaRPr kumimoji="1" lang="ja-JP" altLang="en-US"/>
-          </a:p>
-        </p:txBody>
-      </p:sp>
-      <p:sp>
-        <p:nvSpPr>
-          <p:cNvPr id="4" name="テキスト プレースホルダー 3"/>
+            <a:endParaRPr lang="en-US" dirty="0"/>
+          </a:p>
+        </p:txBody>
+      </p:sp>
+      <p:sp>
+        <p:nvSpPr>
+          <p:cNvPr id="4" name="Text Placeholder 3"/>
           <p:cNvSpPr>
             <a:spLocks noGrp="1"/>
           </p:cNvSpPr>
@@ -2335,7 +2337,7 @@
           <a:p>
             <a:pPr lvl="0"/>
             <a:r>
-              <a:rPr kumimoji="1" lang="ja-JP" altLang="en-US" smtClean="0"/>
+              <a:rPr lang="ja-JP" altLang="en-US" smtClean="0"/>
               <a:t>マスター テキストの書式設定</a:t>
             </a:r>
           </a:p>
@@ -2343,7 +2345,7 @@
       </p:sp>
       <p:sp>
         <p:nvSpPr>
-          <p:cNvPr id="5" name="日付プレースホルダー 4"/>
+          <p:cNvPr id="5" name="Date Placeholder 4"/>
           <p:cNvSpPr>
             <a:spLocks noGrp="1"/>
           </p:cNvSpPr>
@@ -2366,7 +2368,7 @@
       </p:sp>
       <p:sp>
         <p:nvSpPr>
-          <p:cNvPr id="6" name="フッター プレースホルダー 5"/>
+          <p:cNvPr id="6" name="Footer Placeholder 5"/>
           <p:cNvSpPr>
             <a:spLocks noGrp="1"/>
           </p:cNvSpPr>
@@ -2385,7 +2387,7 @@
       </p:sp>
       <p:sp>
         <p:nvSpPr>
-          <p:cNvPr id="7" name="スライド番号プレースホルダー 6"/>
+          <p:cNvPr id="7" name="Slide Number Placeholder 6"/>
           <p:cNvSpPr>
             <a:spLocks noGrp="1"/>
           </p:cNvSpPr>
@@ -2409,7 +2411,7 @@
     </p:spTree>
     <p:extLst>
       <p:ext uri="{BB962C8B-B14F-4D97-AF65-F5344CB8AC3E}">
-        <p14:creationId xmlns:p14="http://schemas.microsoft.com/office/powerpoint/2010/main" val="3048253334"/>
+        <p14:creationId xmlns:p14="http://schemas.microsoft.com/office/powerpoint/2010/main" val="1356122496"/>
       </p:ext>
     </p:extLst>
   </p:cSld>
@@ -2438,7 +2440,7 @@
       </p:grpSpPr>
       <p:sp>
         <p:nvSpPr>
-          <p:cNvPr id="2" name="タイトル 1"/>
+          <p:cNvPr id="2" name="Title 1"/>
           <p:cNvSpPr>
             <a:spLocks noGrp="1"/>
           </p:cNvSpPr>
@@ -2461,18 +2463,18 @@
           </a:lstStyle>
           <a:p>
             <a:r>
-              <a:rPr kumimoji="1" lang="ja-JP" altLang="en-US" smtClean="0"/>
+              <a:rPr lang="ja-JP" altLang="en-US" smtClean="0"/>
               <a:t>マスター タイトルの書式設定</a:t>
             </a:r>
-            <a:endParaRPr kumimoji="1" lang="ja-JP" altLang="en-US"/>
-          </a:p>
-        </p:txBody>
-      </p:sp>
-      <p:sp>
-        <p:nvSpPr>
-          <p:cNvPr id="3" name="図プレースホルダー 2"/>
-          <p:cNvSpPr>
-            <a:spLocks noGrp="1"/>
+            <a:endParaRPr lang="en-US" dirty="0"/>
+          </a:p>
+        </p:txBody>
+      </p:sp>
+      <p:sp>
+        <p:nvSpPr>
+          <p:cNvPr id="3" name="Picture Placeholder 2"/>
+          <p:cNvSpPr>
+            <a:spLocks noGrp="1" noChangeAspect="1"/>
           </p:cNvSpPr>
           <p:nvPr>
             <p:ph type="pic" idx="1"/>
@@ -2485,7 +2487,7 @@
           </a:xfrm>
         </p:spPr>
         <p:txBody>
-          <a:bodyPr/>
+          <a:bodyPr anchor="t"/>
           <a:lstStyle>
             <a:lvl1pPr marL="0" indent="0">
               <a:buNone/>
@@ -2525,13 +2527,17 @@
             </a:lvl9pPr>
           </a:lstStyle>
           <a:p>
-            <a:endParaRPr kumimoji="1" lang="ja-JP" altLang="en-US"/>
-          </a:p>
-        </p:txBody>
-      </p:sp>
-      <p:sp>
-        <p:nvSpPr>
-          <p:cNvPr id="4" name="テキスト プレースホルダー 3"/>
+            <a:r>
+              <a:rPr lang="ja-JP" altLang="en-US" smtClean="0"/>
+              <a:t>図を追加</a:t>
+            </a:r>
+            <a:endParaRPr lang="en-US" dirty="0"/>
+          </a:p>
+        </p:txBody>
+      </p:sp>
+      <p:sp>
+        <p:nvSpPr>
+          <p:cNvPr id="4" name="Text Placeholder 3"/>
           <p:cNvSpPr>
             <a:spLocks noGrp="1"/>
           </p:cNvSpPr>
@@ -2588,7 +2594,7 @@
           <a:p>
             <a:pPr lvl="0"/>
             <a:r>
-              <a:rPr kumimoji="1" lang="ja-JP" altLang="en-US" smtClean="0"/>
+              <a:rPr lang="ja-JP" altLang="en-US" smtClean="0"/>
               <a:t>マスター テキストの書式設定</a:t>
             </a:r>
           </a:p>
@@ -2596,7 +2602,7 @@
       </p:sp>
       <p:sp>
         <p:nvSpPr>
-          <p:cNvPr id="5" name="日付プレースホルダー 4"/>
+          <p:cNvPr id="5" name="Date Placeholder 4"/>
           <p:cNvSpPr>
             <a:spLocks noGrp="1"/>
           </p:cNvSpPr>
@@ -2619,7 +2625,7 @@
       </p:sp>
       <p:sp>
         <p:nvSpPr>
-          <p:cNvPr id="6" name="フッター プレースホルダー 5"/>
+          <p:cNvPr id="6" name="Footer Placeholder 5"/>
           <p:cNvSpPr>
             <a:spLocks noGrp="1"/>
           </p:cNvSpPr>
@@ -2638,7 +2644,7 @@
       </p:sp>
       <p:sp>
         <p:nvSpPr>
-          <p:cNvPr id="7" name="スライド番号プレースホルダー 6"/>
+          <p:cNvPr id="7" name="Slide Number Placeholder 6"/>
           <p:cNvSpPr>
             <a:spLocks noGrp="1"/>
           </p:cNvSpPr>
@@ -2662,7 +2668,7 @@
     </p:spTree>
     <p:extLst>
       <p:ext uri="{BB962C8B-B14F-4D97-AF65-F5344CB8AC3E}">
-        <p14:creationId xmlns:p14="http://schemas.microsoft.com/office/powerpoint/2010/main" val="3931331116"/>
+        <p14:creationId xmlns:p14="http://schemas.microsoft.com/office/powerpoint/2010/main" val="89499209"/>
       </p:ext>
     </p:extLst>
   </p:cSld>
@@ -2696,7 +2702,7 @@
       </p:grpSpPr>
       <p:sp>
         <p:nvSpPr>
-          <p:cNvPr id="2" name="タイトル プレースホルダー 1"/>
+          <p:cNvPr id="2" name="Title Placeholder 1"/>
           <p:cNvSpPr>
             <a:spLocks noGrp="1"/>
           </p:cNvSpPr>
@@ -2720,16 +2726,16 @@
           <a:lstStyle/>
           <a:p>
             <a:r>
-              <a:rPr kumimoji="1" lang="ja-JP" altLang="en-US" smtClean="0"/>
+              <a:rPr lang="ja-JP" altLang="en-US" smtClean="0"/>
               <a:t>マスター タイトルの書式設定</a:t>
             </a:r>
-            <a:endParaRPr kumimoji="1" lang="ja-JP" altLang="en-US"/>
-          </a:p>
-        </p:txBody>
-      </p:sp>
-      <p:sp>
-        <p:nvSpPr>
-          <p:cNvPr id="3" name="テキスト プレースホルダー 2"/>
+            <a:endParaRPr lang="en-US" dirty="0"/>
+          </a:p>
+        </p:txBody>
+      </p:sp>
+      <p:sp>
+        <p:nvSpPr>
+          <p:cNvPr id="3" name="Text Placeholder 2"/>
           <p:cNvSpPr>
             <a:spLocks noGrp="1"/>
           </p:cNvSpPr>
@@ -2754,76 +2760,76 @@
           <a:p>
             <a:pPr lvl="0"/>
             <a:r>
-              <a:rPr kumimoji="1" lang="ja-JP" altLang="en-US" smtClean="0"/>
+              <a:rPr lang="ja-JP" altLang="en-US" smtClean="0"/>
               <a:t>マスター テキストの書式設定</a:t>
             </a:r>
           </a:p>
           <a:p>
             <a:pPr lvl="1"/>
             <a:r>
-              <a:rPr kumimoji="1" lang="ja-JP" altLang="en-US" smtClean="0"/>
+              <a:rPr lang="ja-JP" altLang="en-US" smtClean="0"/>
               <a:t>第 </a:t>
             </a:r>
             <a:r>
-              <a:rPr kumimoji="1" lang="en-US" altLang="ja-JP" smtClean="0"/>
+              <a:rPr lang="en-US" altLang="ja-JP" smtClean="0"/>
               <a:t>2 </a:t>
             </a:r>
             <a:r>
-              <a:rPr kumimoji="1" lang="ja-JP" altLang="en-US" smtClean="0"/>
+              <a:rPr lang="ja-JP" altLang="en-US" smtClean="0"/>
               <a:t>レベル</a:t>
             </a:r>
           </a:p>
           <a:p>
             <a:pPr lvl="2"/>
             <a:r>
-              <a:rPr kumimoji="1" lang="ja-JP" altLang="en-US" smtClean="0"/>
+              <a:rPr lang="ja-JP" altLang="en-US" smtClean="0"/>
               <a:t>第 </a:t>
             </a:r>
             <a:r>
-              <a:rPr kumimoji="1" lang="en-US" altLang="ja-JP" smtClean="0"/>
+              <a:rPr lang="en-US" altLang="ja-JP" smtClean="0"/>
               <a:t>3 </a:t>
             </a:r>
             <a:r>
-              <a:rPr kumimoji="1" lang="ja-JP" altLang="en-US" smtClean="0"/>
+              <a:rPr lang="ja-JP" altLang="en-US" smtClean="0"/>
               <a:t>レベル</a:t>
             </a:r>
           </a:p>
           <a:p>
             <a:pPr lvl="3"/>
             <a:r>
-              <a:rPr kumimoji="1" lang="ja-JP" altLang="en-US" smtClean="0"/>
+              <a:rPr lang="ja-JP" altLang="en-US" smtClean="0"/>
               <a:t>第 </a:t>
             </a:r>
             <a:r>
-              <a:rPr kumimoji="1" lang="en-US" altLang="ja-JP" smtClean="0"/>
+              <a:rPr lang="en-US" altLang="ja-JP" smtClean="0"/>
               <a:t>4 </a:t>
             </a:r>
             <a:r>
-              <a:rPr kumimoji="1" lang="ja-JP" altLang="en-US" smtClean="0"/>
+              <a:rPr lang="ja-JP" altLang="en-US" smtClean="0"/>
               <a:t>レベル</a:t>
             </a:r>
           </a:p>
           <a:p>
             <a:pPr lvl="4"/>
             <a:r>
-              <a:rPr kumimoji="1" lang="ja-JP" altLang="en-US" smtClean="0"/>
+              <a:rPr lang="ja-JP" altLang="en-US" smtClean="0"/>
               <a:t>第 </a:t>
             </a:r>
             <a:r>
-              <a:rPr kumimoji="1" lang="en-US" altLang="ja-JP" smtClean="0"/>
+              <a:rPr lang="en-US" altLang="ja-JP" smtClean="0"/>
               <a:t>5 </a:t>
             </a:r>
             <a:r>
-              <a:rPr kumimoji="1" lang="ja-JP" altLang="en-US" smtClean="0"/>
+              <a:rPr lang="ja-JP" altLang="en-US" smtClean="0"/>
               <a:t>レベル</a:t>
             </a:r>
-            <a:endParaRPr kumimoji="1" lang="ja-JP" altLang="en-US"/>
-          </a:p>
-        </p:txBody>
-      </p:sp>
-      <p:sp>
-        <p:nvSpPr>
-          <p:cNvPr id="4" name="日付プレースホルダー 3"/>
+            <a:endParaRPr lang="en-US" dirty="0"/>
+          </a:p>
+        </p:txBody>
+      </p:sp>
+      <p:sp>
+        <p:nvSpPr>
+          <p:cNvPr id="4" name="Date Placeholder 3"/>
           <p:cNvSpPr>
             <a:spLocks noGrp="1"/>
           </p:cNvSpPr>
@@ -2864,7 +2870,7 @@
       </p:sp>
       <p:sp>
         <p:nvSpPr>
-          <p:cNvPr id="5" name="フッター プレースホルダー 4"/>
+          <p:cNvPr id="5" name="Footer Placeholder 4"/>
           <p:cNvSpPr>
             <a:spLocks noGrp="1"/>
           </p:cNvSpPr>
@@ -2901,7 +2907,7 @@
       </p:sp>
       <p:sp>
         <p:nvSpPr>
-          <p:cNvPr id="6" name="スライド番号プレースホルダー 5"/>
+          <p:cNvPr id="6" name="Slide Number Placeholder 5"/>
           <p:cNvSpPr>
             <a:spLocks noGrp="1"/>
           </p:cNvSpPr>
@@ -2943,23 +2949,23 @@
     </p:spTree>
     <p:extLst>
       <p:ext uri="{BB962C8B-B14F-4D97-AF65-F5344CB8AC3E}">
-        <p14:creationId xmlns:p14="http://schemas.microsoft.com/office/powerpoint/2010/main" val="185801415"/>
+        <p14:creationId xmlns:p14="http://schemas.microsoft.com/office/powerpoint/2010/main" val="1341192585"/>
       </p:ext>
     </p:extLst>
   </p:cSld>
   <p:clrMap bg1="lt1" tx1="dk1" bg2="lt2" tx2="dk2" accent1="accent1" accent2="accent2" accent3="accent3" accent4="accent4" accent5="accent5" accent6="accent6" hlink="hlink" folHlink="folHlink"/>
   <p:sldLayoutIdLst>
-    <p:sldLayoutId id="2147483649" r:id="rId1"/>
-    <p:sldLayoutId id="2147483650" r:id="rId2"/>
-    <p:sldLayoutId id="2147483651" r:id="rId3"/>
-    <p:sldLayoutId id="2147483652" r:id="rId4"/>
-    <p:sldLayoutId id="2147483653" r:id="rId5"/>
-    <p:sldLayoutId id="2147483654" r:id="rId6"/>
-    <p:sldLayoutId id="2147483655" r:id="rId7"/>
-    <p:sldLayoutId id="2147483656" r:id="rId8"/>
-    <p:sldLayoutId id="2147483657" r:id="rId9"/>
-    <p:sldLayoutId id="2147483658" r:id="rId10"/>
-    <p:sldLayoutId id="2147483659" r:id="rId11"/>
+    <p:sldLayoutId id="2147483685" r:id="rId1"/>
+    <p:sldLayoutId id="2147483686" r:id="rId2"/>
+    <p:sldLayoutId id="2147483687" r:id="rId3"/>
+    <p:sldLayoutId id="2147483688" r:id="rId4"/>
+    <p:sldLayoutId id="2147483689" r:id="rId5"/>
+    <p:sldLayoutId id="2147483690" r:id="rId6"/>
+    <p:sldLayoutId id="2147483691" r:id="rId7"/>
+    <p:sldLayoutId id="2147483692" r:id="rId8"/>
+    <p:sldLayoutId id="2147483693" r:id="rId9"/>
+    <p:sldLayoutId id="2147483694" r:id="rId10"/>
+    <p:sldLayoutId id="2147483695" r:id="rId11"/>
   </p:sldLayoutIdLst>
   <p:txStyles>
     <p:titleStyle>
@@ -3147,7 +3153,7 @@
     </p:bodyStyle>
     <p:otherStyle>
       <a:defPPr>
-        <a:defRPr lang="ja-JP"/>
+        <a:defRPr lang="en-US"/>
       </a:defPPr>
       <a:lvl1pPr marL="0" algn="l" defTabSz="914400" rtl="0" eaLnBrk="1" latinLnBrk="0" hangingPunct="1">
         <a:defRPr kumimoji="1" sz="1800" kern="1200">
@@ -3365,63 +3371,654 @@
       </p:grpSpPr>
       <p:sp>
         <p:nvSpPr>
-          <p:cNvPr id="2" name="タイトル 1"/>
-          <p:cNvSpPr>
-            <a:spLocks noGrp="1"/>
-          </p:cNvSpPr>
-          <p:nvPr>
-            <p:ph type="title"/>
-          </p:nvPr>
-        </p:nvSpPr>
-        <p:spPr/>
-        <p:txBody>
-          <a:bodyPr/>
-          <a:lstStyle/>
-          <a:p>
-            <a:r>
-              <a:rPr kumimoji="1" lang="ja-JP" altLang="en-US" dirty="0" smtClean="0"/>
-              <a:t>必要なデータ</a:t>
-            </a:r>
-            <a:endParaRPr kumimoji="1" lang="ja-JP" altLang="en-US" dirty="0"/>
-          </a:p>
-        </p:txBody>
-      </p:sp>
-      <p:sp>
-        <p:nvSpPr>
-          <p:cNvPr id="6" name="コンテンツ プレースホルダー 5"/>
-          <p:cNvSpPr>
-            <a:spLocks noGrp="1"/>
-          </p:cNvSpPr>
-          <p:nvPr>
-            <p:ph idx="1"/>
-          </p:nvPr>
+          <p:cNvPr id="4" name="正方形/長方形 3"/>
+          <p:cNvSpPr/>
+          <p:nvPr/>
         </p:nvSpPr>
         <p:spPr>
-          <a:xfrm flipH="1">
-            <a:off x="12951780" y="2317072"/>
-            <a:ext cx="80640" cy="142042"/>
+          <a:xfrm>
+            <a:off x="0" y="2672179"/>
+            <a:ext cx="12192000" cy="408371"/>
           </a:xfrm>
+          <a:prstGeom prst="rect">
+            <a:avLst/>
+          </a:prstGeom>
         </p:spPr>
-        <p:txBody>
-          <a:bodyPr>
-            <a:normAutofit fontScale="25000" lnSpcReduction="20000"/>
-          </a:bodyPr>
-          <a:lstStyle/>
-          <a:p>
-            <a:endParaRPr kumimoji="1" lang="ja-JP" altLang="en-US" dirty="0"/>
-          </a:p>
-        </p:txBody>
-      </p:sp>
-      <p:sp>
-        <p:nvSpPr>
-          <p:cNvPr id="7" name="テキスト ボックス 6"/>
+        <p:style>
+          <a:lnRef idx="2">
+            <a:schemeClr val="accent1">
+              <a:shade val="50000"/>
+            </a:schemeClr>
+          </a:lnRef>
+          <a:fillRef idx="1">
+            <a:schemeClr val="accent1"/>
+          </a:fillRef>
+          <a:effectRef idx="0">
+            <a:schemeClr val="accent1"/>
+          </a:effectRef>
+          <a:fontRef idx="minor">
+            <a:schemeClr val="lt1"/>
+          </a:fontRef>
+        </p:style>
+        <p:txBody>
+          <a:bodyPr rtlCol="0" anchor="ctr"/>
+          <a:lstStyle/>
+          <a:p>
+            <a:pPr algn="ctr"/>
+            <a:endParaRPr kumimoji="1" lang="ja-JP" altLang="en-US"/>
+          </a:p>
+        </p:txBody>
+      </p:sp>
+      <p:sp>
+        <p:nvSpPr>
+          <p:cNvPr id="5" name="正方形/長方形 4"/>
+          <p:cNvSpPr/>
+          <p:nvPr/>
+        </p:nvSpPr>
+        <p:spPr>
+          <a:xfrm>
+            <a:off x="11828017" y="3080551"/>
+            <a:ext cx="363983" cy="3777449"/>
+          </a:xfrm>
+          <a:prstGeom prst="rect">
+            <a:avLst/>
+          </a:prstGeom>
+        </p:spPr>
+        <p:style>
+          <a:lnRef idx="2">
+            <a:schemeClr val="accent1">
+              <a:shade val="50000"/>
+            </a:schemeClr>
+          </a:lnRef>
+          <a:fillRef idx="1">
+            <a:schemeClr val="accent1"/>
+          </a:fillRef>
+          <a:effectRef idx="0">
+            <a:schemeClr val="accent1"/>
+          </a:effectRef>
+          <a:fontRef idx="minor">
+            <a:schemeClr val="lt1"/>
+          </a:fontRef>
+        </p:style>
+        <p:txBody>
+          <a:bodyPr rtlCol="0" anchor="ctr"/>
+          <a:lstStyle/>
+          <a:p>
+            <a:pPr algn="ctr"/>
+            <a:endParaRPr kumimoji="1" lang="ja-JP" altLang="en-US"/>
+          </a:p>
+        </p:txBody>
+      </p:sp>
+      <p:sp>
+        <p:nvSpPr>
+          <p:cNvPr id="6" name="正方形/長方形 5"/>
+          <p:cNvSpPr/>
+          <p:nvPr/>
+        </p:nvSpPr>
+        <p:spPr>
+          <a:xfrm>
+            <a:off x="-1" y="6525086"/>
+            <a:ext cx="11828017" cy="332912"/>
+          </a:xfrm>
+          <a:prstGeom prst="rect">
+            <a:avLst/>
+          </a:prstGeom>
+        </p:spPr>
+        <p:style>
+          <a:lnRef idx="2">
+            <a:schemeClr val="accent1">
+              <a:shade val="50000"/>
+            </a:schemeClr>
+          </a:lnRef>
+          <a:fillRef idx="1">
+            <a:schemeClr val="accent1"/>
+          </a:fillRef>
+          <a:effectRef idx="0">
+            <a:schemeClr val="accent1"/>
+          </a:effectRef>
+          <a:fontRef idx="minor">
+            <a:schemeClr val="lt1"/>
+          </a:fontRef>
+        </p:style>
+        <p:txBody>
+          <a:bodyPr rtlCol="0" anchor="ctr"/>
+          <a:lstStyle/>
+          <a:p>
+            <a:pPr algn="ctr"/>
+            <a:endParaRPr kumimoji="1" lang="ja-JP" altLang="en-US"/>
+          </a:p>
+        </p:txBody>
+      </p:sp>
+      <p:sp>
+        <p:nvSpPr>
+          <p:cNvPr id="7" name="正方形/長方形 6"/>
+          <p:cNvSpPr/>
+          <p:nvPr/>
+        </p:nvSpPr>
+        <p:spPr>
+          <a:xfrm>
+            <a:off x="-1" y="3080549"/>
+            <a:ext cx="470517" cy="3444537"/>
+          </a:xfrm>
+          <a:prstGeom prst="rect">
+            <a:avLst/>
+          </a:prstGeom>
+        </p:spPr>
+        <p:style>
+          <a:lnRef idx="2">
+            <a:schemeClr val="accent1">
+              <a:shade val="50000"/>
+            </a:schemeClr>
+          </a:lnRef>
+          <a:fillRef idx="1">
+            <a:schemeClr val="accent1"/>
+          </a:fillRef>
+          <a:effectRef idx="0">
+            <a:schemeClr val="accent1"/>
+          </a:effectRef>
+          <a:fontRef idx="minor">
+            <a:schemeClr val="lt1"/>
+          </a:fontRef>
+        </p:style>
+        <p:txBody>
+          <a:bodyPr rtlCol="0" anchor="ctr"/>
+          <a:lstStyle/>
+          <a:p>
+            <a:pPr algn="ctr"/>
+            <a:endParaRPr kumimoji="1" lang="ja-JP" altLang="en-US"/>
+          </a:p>
+        </p:txBody>
+      </p:sp>
+      <p:sp>
+        <p:nvSpPr>
+          <p:cNvPr id="8" name="正方形/長方形 7"/>
+          <p:cNvSpPr/>
+          <p:nvPr/>
+        </p:nvSpPr>
+        <p:spPr>
+          <a:xfrm>
+            <a:off x="9685538" y="3080549"/>
+            <a:ext cx="523782" cy="1935334"/>
+          </a:xfrm>
+          <a:prstGeom prst="rect">
+            <a:avLst/>
+          </a:prstGeom>
+        </p:spPr>
+        <p:style>
+          <a:lnRef idx="2">
+            <a:schemeClr val="accent1">
+              <a:shade val="50000"/>
+            </a:schemeClr>
+          </a:lnRef>
+          <a:fillRef idx="1">
+            <a:schemeClr val="accent1"/>
+          </a:fillRef>
+          <a:effectRef idx="0">
+            <a:schemeClr val="accent1"/>
+          </a:effectRef>
+          <a:fontRef idx="minor">
+            <a:schemeClr val="lt1"/>
+          </a:fontRef>
+        </p:style>
+        <p:txBody>
+          <a:bodyPr rtlCol="0" anchor="ctr"/>
+          <a:lstStyle/>
+          <a:p>
+            <a:pPr algn="ctr"/>
+            <a:endParaRPr kumimoji="1" lang="ja-JP" altLang="en-US"/>
+          </a:p>
+        </p:txBody>
+      </p:sp>
+      <p:sp>
+        <p:nvSpPr>
+          <p:cNvPr id="9" name="正方形/長方形 8"/>
+          <p:cNvSpPr/>
+          <p:nvPr/>
+        </p:nvSpPr>
+        <p:spPr>
+          <a:xfrm>
+            <a:off x="6329779" y="5495278"/>
+            <a:ext cx="1775534" cy="1029806"/>
+          </a:xfrm>
+          <a:prstGeom prst="rect">
+            <a:avLst/>
+          </a:prstGeom>
+        </p:spPr>
+        <p:style>
+          <a:lnRef idx="2">
+            <a:schemeClr val="accent1">
+              <a:shade val="50000"/>
+            </a:schemeClr>
+          </a:lnRef>
+          <a:fillRef idx="1">
+            <a:schemeClr val="accent1"/>
+          </a:fillRef>
+          <a:effectRef idx="0">
+            <a:schemeClr val="accent1"/>
+          </a:effectRef>
+          <a:fontRef idx="minor">
+            <a:schemeClr val="lt1"/>
+          </a:fontRef>
+        </p:style>
+        <p:txBody>
+          <a:bodyPr rtlCol="0" anchor="ctr"/>
+          <a:lstStyle/>
+          <a:p>
+            <a:pPr algn="ctr"/>
+            <a:endParaRPr kumimoji="1" lang="ja-JP" altLang="en-US"/>
+          </a:p>
+        </p:txBody>
+      </p:sp>
+      <p:sp>
+        <p:nvSpPr>
+          <p:cNvPr id="10" name="正方形/長方形 9"/>
+          <p:cNvSpPr/>
+          <p:nvPr/>
+        </p:nvSpPr>
+        <p:spPr>
+          <a:xfrm>
+            <a:off x="5255581" y="5797118"/>
+            <a:ext cx="1074198" cy="727966"/>
+          </a:xfrm>
+          <a:prstGeom prst="rect">
+            <a:avLst/>
+          </a:prstGeom>
+        </p:spPr>
+        <p:style>
+          <a:lnRef idx="2">
+            <a:schemeClr val="accent1">
+              <a:shade val="50000"/>
+            </a:schemeClr>
+          </a:lnRef>
+          <a:fillRef idx="1">
+            <a:schemeClr val="accent1"/>
+          </a:fillRef>
+          <a:effectRef idx="0">
+            <a:schemeClr val="accent1"/>
+          </a:effectRef>
+          <a:fontRef idx="minor">
+            <a:schemeClr val="lt1"/>
+          </a:fontRef>
+        </p:style>
+        <p:txBody>
+          <a:bodyPr rtlCol="0" anchor="ctr"/>
+          <a:lstStyle/>
+          <a:p>
+            <a:pPr algn="ctr"/>
+            <a:endParaRPr kumimoji="1" lang="ja-JP" altLang="en-US"/>
+          </a:p>
+        </p:txBody>
+      </p:sp>
+      <p:sp>
+        <p:nvSpPr>
+          <p:cNvPr id="11" name="正方形/長方形 10"/>
+          <p:cNvSpPr/>
+          <p:nvPr/>
+        </p:nvSpPr>
+        <p:spPr>
+          <a:xfrm>
+            <a:off x="3736020" y="3067234"/>
+            <a:ext cx="560772" cy="1522519"/>
+          </a:xfrm>
+          <a:prstGeom prst="rect">
+            <a:avLst/>
+          </a:prstGeom>
+        </p:spPr>
+        <p:style>
+          <a:lnRef idx="2">
+            <a:schemeClr val="accent1">
+              <a:shade val="50000"/>
+            </a:schemeClr>
+          </a:lnRef>
+          <a:fillRef idx="1">
+            <a:schemeClr val="accent1"/>
+          </a:fillRef>
+          <a:effectRef idx="0">
+            <a:schemeClr val="accent1"/>
+          </a:effectRef>
+          <a:fontRef idx="minor">
+            <a:schemeClr val="lt1"/>
+          </a:fontRef>
+        </p:style>
+        <p:txBody>
+          <a:bodyPr rtlCol="0" anchor="ctr"/>
+          <a:lstStyle/>
+          <a:p>
+            <a:pPr algn="ctr"/>
+            <a:endParaRPr kumimoji="1" lang="ja-JP" altLang="en-US"/>
+          </a:p>
+        </p:txBody>
+      </p:sp>
+      <p:sp>
+        <p:nvSpPr>
+          <p:cNvPr id="12" name="正方形/長方形 11"/>
+          <p:cNvSpPr/>
+          <p:nvPr/>
+        </p:nvSpPr>
+        <p:spPr>
+          <a:xfrm>
+            <a:off x="1669002" y="5433134"/>
+            <a:ext cx="1544715" cy="1091950"/>
+          </a:xfrm>
+          <a:prstGeom prst="rect">
+            <a:avLst/>
+          </a:prstGeom>
+        </p:spPr>
+        <p:style>
+          <a:lnRef idx="2">
+            <a:schemeClr val="accent1">
+              <a:shade val="50000"/>
+            </a:schemeClr>
+          </a:lnRef>
+          <a:fillRef idx="1">
+            <a:schemeClr val="accent1"/>
+          </a:fillRef>
+          <a:effectRef idx="0">
+            <a:schemeClr val="accent1"/>
+          </a:effectRef>
+          <a:fontRef idx="minor">
+            <a:schemeClr val="lt1"/>
+          </a:fontRef>
+        </p:style>
+        <p:txBody>
+          <a:bodyPr rtlCol="0" anchor="ctr"/>
+          <a:lstStyle/>
+          <a:p>
+            <a:pPr algn="ctr"/>
+            <a:endParaRPr kumimoji="1" lang="ja-JP" altLang="en-US"/>
+          </a:p>
+        </p:txBody>
+      </p:sp>
+      <p:sp>
+        <p:nvSpPr>
+          <p:cNvPr id="13" name="楕円 12"/>
+          <p:cNvSpPr/>
+          <p:nvPr/>
+        </p:nvSpPr>
+        <p:spPr>
+          <a:xfrm>
+            <a:off x="577048" y="5397621"/>
+            <a:ext cx="914400" cy="914400"/>
+          </a:xfrm>
+          <a:prstGeom prst="ellipse">
+            <a:avLst/>
+          </a:prstGeom>
+        </p:spPr>
+        <p:style>
+          <a:lnRef idx="2">
+            <a:schemeClr val="accent1">
+              <a:shade val="50000"/>
+            </a:schemeClr>
+          </a:lnRef>
+          <a:fillRef idx="1">
+            <a:schemeClr val="accent1"/>
+          </a:fillRef>
+          <a:effectRef idx="0">
+            <a:schemeClr val="accent1"/>
+          </a:effectRef>
+          <a:fontRef idx="minor">
+            <a:schemeClr val="lt1"/>
+          </a:fontRef>
+        </p:style>
+        <p:txBody>
+          <a:bodyPr rtlCol="0" anchor="ctr"/>
+          <a:lstStyle/>
+          <a:p>
+            <a:pPr algn="ctr"/>
+            <a:endParaRPr kumimoji="1" lang="ja-JP" altLang="en-US"/>
+          </a:p>
+        </p:txBody>
+      </p:sp>
+      <p:sp>
+        <p:nvSpPr>
+          <p:cNvPr id="14" name="二等辺三角形 13"/>
+          <p:cNvSpPr/>
+          <p:nvPr/>
+        </p:nvSpPr>
+        <p:spPr>
+          <a:xfrm>
+            <a:off x="2618262" y="3373514"/>
+            <a:ext cx="675353" cy="621438"/>
+          </a:xfrm>
+          <a:prstGeom prst="triangle">
+            <a:avLst/>
+          </a:prstGeom>
+        </p:spPr>
+        <p:style>
+          <a:lnRef idx="2">
+            <a:schemeClr val="accent1">
+              <a:shade val="50000"/>
+            </a:schemeClr>
+          </a:lnRef>
+          <a:fillRef idx="1">
+            <a:schemeClr val="accent1"/>
+          </a:fillRef>
+          <a:effectRef idx="0">
+            <a:schemeClr val="accent1"/>
+          </a:effectRef>
+          <a:fontRef idx="minor">
+            <a:schemeClr val="lt1"/>
+          </a:fontRef>
+        </p:style>
+        <p:txBody>
+          <a:bodyPr rtlCol="0" anchor="ctr"/>
+          <a:lstStyle/>
+          <a:p>
+            <a:pPr algn="ctr"/>
+            <a:endParaRPr kumimoji="1" lang="ja-JP" altLang="en-US"/>
+          </a:p>
+        </p:txBody>
+      </p:sp>
+      <p:sp>
+        <p:nvSpPr>
+          <p:cNvPr id="15" name="二等辺三角形 14"/>
+          <p:cNvSpPr/>
+          <p:nvPr/>
+        </p:nvSpPr>
+        <p:spPr>
+          <a:xfrm rot="10800000">
+            <a:off x="5136236" y="3089426"/>
+            <a:ext cx="675353" cy="621438"/>
+          </a:xfrm>
+          <a:prstGeom prst="triangle">
+            <a:avLst/>
+          </a:prstGeom>
+        </p:spPr>
+        <p:style>
+          <a:lnRef idx="2">
+            <a:schemeClr val="accent1">
+              <a:shade val="50000"/>
+            </a:schemeClr>
+          </a:lnRef>
+          <a:fillRef idx="1">
+            <a:schemeClr val="accent1"/>
+          </a:fillRef>
+          <a:effectRef idx="0">
+            <a:schemeClr val="accent1"/>
+          </a:effectRef>
+          <a:fontRef idx="minor">
+            <a:schemeClr val="lt1"/>
+          </a:fontRef>
+        </p:style>
+        <p:txBody>
+          <a:bodyPr rtlCol="0" anchor="ctr"/>
+          <a:lstStyle/>
+          <a:p>
+            <a:pPr algn="ctr"/>
+            <a:endParaRPr kumimoji="1" lang="ja-JP" altLang="en-US"/>
+          </a:p>
+        </p:txBody>
+      </p:sp>
+      <p:sp>
+        <p:nvSpPr>
+          <p:cNvPr id="16" name="二等辺三角形 15"/>
+          <p:cNvSpPr/>
+          <p:nvPr/>
+        </p:nvSpPr>
+        <p:spPr>
+          <a:xfrm rot="10800000">
+            <a:off x="5827864" y="3071671"/>
+            <a:ext cx="675353" cy="621438"/>
+          </a:xfrm>
+          <a:prstGeom prst="triangle">
+            <a:avLst/>
+          </a:prstGeom>
+        </p:spPr>
+        <p:style>
+          <a:lnRef idx="2">
+            <a:schemeClr val="accent1">
+              <a:shade val="50000"/>
+            </a:schemeClr>
+          </a:lnRef>
+          <a:fillRef idx="1">
+            <a:schemeClr val="accent1"/>
+          </a:fillRef>
+          <a:effectRef idx="0">
+            <a:schemeClr val="accent1"/>
+          </a:effectRef>
+          <a:fontRef idx="minor">
+            <a:schemeClr val="lt1"/>
+          </a:fontRef>
+        </p:style>
+        <p:txBody>
+          <a:bodyPr rtlCol="0" anchor="ctr"/>
+          <a:lstStyle/>
+          <a:p>
+            <a:pPr algn="ctr"/>
+            <a:endParaRPr kumimoji="1" lang="ja-JP" altLang="en-US"/>
+          </a:p>
+        </p:txBody>
+      </p:sp>
+      <p:sp>
+        <p:nvSpPr>
+          <p:cNvPr id="17" name="二等辺三角形 16"/>
+          <p:cNvSpPr/>
+          <p:nvPr/>
+        </p:nvSpPr>
+        <p:spPr>
+          <a:xfrm rot="10800000">
+            <a:off x="6503217" y="3062795"/>
+            <a:ext cx="675353" cy="621438"/>
+          </a:xfrm>
+          <a:prstGeom prst="triangle">
+            <a:avLst/>
+          </a:prstGeom>
+        </p:spPr>
+        <p:style>
+          <a:lnRef idx="2">
+            <a:schemeClr val="accent1">
+              <a:shade val="50000"/>
+            </a:schemeClr>
+          </a:lnRef>
+          <a:fillRef idx="1">
+            <a:schemeClr val="accent1"/>
+          </a:fillRef>
+          <a:effectRef idx="0">
+            <a:schemeClr val="accent1"/>
+          </a:effectRef>
+          <a:fontRef idx="minor">
+            <a:schemeClr val="lt1"/>
+          </a:fontRef>
+        </p:style>
+        <p:txBody>
+          <a:bodyPr rtlCol="0" anchor="ctr"/>
+          <a:lstStyle/>
+          <a:p>
+            <a:pPr algn="ctr"/>
+            <a:endParaRPr kumimoji="1" lang="ja-JP" altLang="en-US"/>
+          </a:p>
+        </p:txBody>
+      </p:sp>
+      <p:sp>
+        <p:nvSpPr>
+          <p:cNvPr id="18" name="二等辺三角形 17"/>
+          <p:cNvSpPr/>
+          <p:nvPr/>
+        </p:nvSpPr>
+        <p:spPr>
+          <a:xfrm>
+            <a:off x="8538513" y="3617647"/>
+            <a:ext cx="675353" cy="621438"/>
+          </a:xfrm>
+          <a:prstGeom prst="triangle">
+            <a:avLst/>
+          </a:prstGeom>
+        </p:spPr>
+        <p:style>
+          <a:lnRef idx="2">
+            <a:schemeClr val="accent1">
+              <a:shade val="50000"/>
+            </a:schemeClr>
+          </a:lnRef>
+          <a:fillRef idx="1">
+            <a:schemeClr val="accent1"/>
+          </a:fillRef>
+          <a:effectRef idx="0">
+            <a:schemeClr val="accent1"/>
+          </a:effectRef>
+          <a:fontRef idx="minor">
+            <a:schemeClr val="lt1"/>
+          </a:fontRef>
+        </p:style>
+        <p:txBody>
+          <a:bodyPr rtlCol="0" anchor="ctr"/>
+          <a:lstStyle/>
+          <a:p>
+            <a:pPr algn="ctr"/>
+            <a:endParaRPr kumimoji="1" lang="ja-JP" altLang="en-US"/>
+          </a:p>
+        </p:txBody>
+      </p:sp>
+      <p:sp>
+        <p:nvSpPr>
+          <p:cNvPr id="19" name="星 5 18"/>
+          <p:cNvSpPr/>
+          <p:nvPr/>
+        </p:nvSpPr>
+        <p:spPr>
+          <a:xfrm>
+            <a:off x="10561468" y="3306929"/>
+            <a:ext cx="914400" cy="914400"/>
+          </a:xfrm>
+          <a:prstGeom prst="star5">
+            <a:avLst/>
+          </a:prstGeom>
+        </p:spPr>
+        <p:style>
+          <a:lnRef idx="2">
+            <a:schemeClr val="accent1">
+              <a:shade val="50000"/>
+            </a:schemeClr>
+          </a:lnRef>
+          <a:fillRef idx="1">
+            <a:schemeClr val="accent1"/>
+          </a:fillRef>
+          <a:effectRef idx="0">
+            <a:schemeClr val="accent1"/>
+          </a:effectRef>
+          <a:fontRef idx="minor">
+            <a:schemeClr val="lt1"/>
+          </a:fontRef>
+        </p:style>
+        <p:txBody>
+          <a:bodyPr rtlCol="0" anchor="ctr"/>
+          <a:lstStyle/>
+          <a:p>
+            <a:pPr algn="ctr"/>
+            <a:endParaRPr kumimoji="1" lang="ja-JP" altLang="en-US"/>
+          </a:p>
+        </p:txBody>
+      </p:sp>
+      <p:sp>
+        <p:nvSpPr>
+          <p:cNvPr id="20" name="テキスト ボックス 19"/>
           <p:cNvSpPr txBox="1"/>
           <p:nvPr/>
         </p:nvSpPr>
         <p:spPr>
           <a:xfrm>
-            <a:off x="527482" y="1568173"/>
-            <a:ext cx="10515600" cy="4708981"/>
+            <a:off x="580185" y="435566"/>
+            <a:ext cx="11247831" cy="523220"/>
           </a:xfrm>
           <a:prstGeom prst="rect">
             <a:avLst/>
@@ -3435,103 +4032,17 @@
           <a:lstStyle/>
           <a:p>
             <a:r>
-              <a:rPr kumimoji="1" lang="ja-JP" altLang="en-US" sz="6000" dirty="0" smtClean="0"/>
-              <a:t>・</a:t>
-            </a:r>
-            <a:r>
-              <a:rPr lang="en-US" altLang="ja-JP" sz="6000" dirty="0" smtClean="0"/>
-              <a:t>Player</a:t>
-            </a:r>
-            <a:r>
-              <a:rPr lang="ja-JP" altLang="en-US" sz="6000" dirty="0" smtClean="0"/>
-              <a:t>     　・</a:t>
-            </a:r>
-            <a:r>
-              <a:rPr lang="en-US" altLang="ja-JP" sz="6000" dirty="0" err="1" smtClean="0"/>
-              <a:t>MapTip</a:t>
-            </a:r>
-            <a:r>
-              <a:rPr lang="ja-JP" altLang="en-US" sz="6000" dirty="0" smtClean="0"/>
-              <a:t>　</a:t>
-            </a:r>
-            <a:r>
-              <a:rPr lang="en-US" altLang="ja-JP" sz="6000" dirty="0" smtClean="0"/>
-              <a:t> </a:t>
-            </a:r>
-          </a:p>
-          <a:p>
-            <a:r>
-              <a:rPr lang="ja-JP" altLang="en-US" sz="6000" dirty="0" smtClean="0"/>
-              <a:t>・</a:t>
-            </a:r>
-            <a:r>
-              <a:rPr lang="en-US" altLang="ja-JP" sz="6000" dirty="0" smtClean="0"/>
-              <a:t>Enemy   </a:t>
-            </a:r>
-            <a:r>
-              <a:rPr lang="ja-JP" altLang="en-US" sz="6000" dirty="0" smtClean="0"/>
-              <a:t>　</a:t>
-            </a:r>
-            <a:r>
-              <a:rPr lang="en-US" altLang="ja-JP" sz="6000" dirty="0" smtClean="0"/>
-              <a:t> </a:t>
-            </a:r>
-            <a:r>
-              <a:rPr lang="ja-JP" altLang="en-US" sz="6000" dirty="0" smtClean="0"/>
-              <a:t>・</a:t>
-            </a:r>
-            <a:r>
-              <a:rPr lang="en-US" altLang="ja-JP" sz="6000" dirty="0" smtClean="0"/>
-              <a:t>Title</a:t>
-            </a:r>
-            <a:endParaRPr lang="en-US" altLang="ja-JP" sz="6000" dirty="0"/>
-          </a:p>
-          <a:p>
-            <a:r>
-              <a:rPr lang="ja-JP" altLang="en-US" sz="6000" dirty="0" smtClean="0"/>
-              <a:t>・</a:t>
-            </a:r>
-            <a:r>
-              <a:rPr lang="en-US" altLang="ja-JP" sz="6000" dirty="0" smtClean="0"/>
-              <a:t>Bullet         </a:t>
-            </a:r>
-            <a:r>
-              <a:rPr lang="ja-JP" altLang="en-US" sz="6000" dirty="0" smtClean="0"/>
-              <a:t>・</a:t>
-            </a:r>
-            <a:r>
-              <a:rPr lang="en-US" altLang="ja-JP" sz="6000" dirty="0" err="1" smtClean="0"/>
-              <a:t>AnimData</a:t>
-            </a:r>
-            <a:endParaRPr lang="en-US" altLang="ja-JP" sz="6000" dirty="0" smtClean="0"/>
-          </a:p>
-          <a:p>
-            <a:r>
-              <a:rPr lang="ja-JP" altLang="en-US" sz="6000" dirty="0" smtClean="0"/>
-              <a:t>・</a:t>
-            </a:r>
-            <a:r>
-              <a:rPr lang="en-US" altLang="ja-JP" sz="6000" dirty="0" smtClean="0"/>
-              <a:t>Trap</a:t>
-            </a:r>
-            <a:endParaRPr lang="en-US" altLang="ja-JP" sz="6000" dirty="0"/>
-          </a:p>
-          <a:p>
-            <a:r>
-              <a:rPr lang="ja-JP" altLang="en-US" sz="6000" dirty="0" smtClean="0"/>
-              <a:t>・</a:t>
-            </a:r>
-            <a:r>
-              <a:rPr lang="en-US" altLang="ja-JP" sz="6000" dirty="0" smtClean="0"/>
-              <a:t>UI</a:t>
-            </a:r>
+              <a:rPr kumimoji="1" lang="ja-JP" altLang="en-US" sz="2800" dirty="0" smtClean="0"/>
+              <a:t>迷路のようなステージを敵やトラップを避けながらゴールを目指す</a:t>
+            </a:r>
+            <a:endParaRPr kumimoji="1" lang="ja-JP" altLang="en-US" sz="2800" dirty="0"/>
           </a:p>
         </p:txBody>
       </p:sp>
     </p:spTree>
     <p:extLst>
       <p:ext uri="{BB962C8B-B14F-4D97-AF65-F5344CB8AC3E}">
-        <p14:creationId xmlns:p14="http://schemas.microsoft.com/office/powerpoint/2010/main" val="596986858"/>
+        <p14:creationId xmlns:p14="http://schemas.microsoft.com/office/powerpoint/2010/main" val="2498062588"/>
       </p:ext>
     </p:extLst>
   </p:cSld>
@@ -3567,106 +4078,94 @@
       </p:grpSpPr>
       <p:sp>
         <p:nvSpPr>
-          <p:cNvPr id="2" name="タイトル 1"/>
-          <p:cNvSpPr>
-            <a:spLocks noGrp="1"/>
-          </p:cNvSpPr>
-          <p:nvPr>
-            <p:ph type="title"/>
-          </p:nvPr>
-        </p:nvSpPr>
-        <p:spPr/>
-        <p:txBody>
-          <a:bodyPr/>
-          <a:lstStyle/>
-          <a:p>
-            <a:r>
-              <a:rPr lang="ja-JP" altLang="en-US" dirty="0"/>
-              <a:t>担当者</a:t>
-            </a:r>
-            <a:endParaRPr kumimoji="1" lang="ja-JP" altLang="en-US" dirty="0"/>
-          </a:p>
-        </p:txBody>
-      </p:sp>
-      <p:sp>
-        <p:nvSpPr>
-          <p:cNvPr id="3" name="コンテンツ プレースホルダー 2"/>
-          <p:cNvSpPr>
-            <a:spLocks noGrp="1"/>
-          </p:cNvSpPr>
-          <p:nvPr>
-            <p:ph idx="1"/>
-          </p:nvPr>
+          <p:cNvPr id="4" name="楕円 3"/>
+          <p:cNvSpPr/>
+          <p:nvPr/>
         </p:nvSpPr>
         <p:spPr>
           <a:xfrm>
-            <a:off x="838199" y="1825625"/>
-            <a:ext cx="3103485" cy="1459113"/>
+            <a:off x="2911876" y="4261281"/>
+            <a:ext cx="914400" cy="914400"/>
           </a:xfrm>
+          <a:prstGeom prst="ellipse">
+            <a:avLst/>
+          </a:prstGeom>
         </p:spPr>
-        <p:txBody>
-          <a:bodyPr>
-            <a:normAutofit lnSpcReduction="10000"/>
-          </a:bodyPr>
-          <a:lstStyle/>
-          <a:p>
-            <a:pPr marL="0" indent="0">
-              <a:buNone/>
-            </a:pPr>
-            <a:r>
-              <a:rPr lang="ja-JP" altLang="en-US" dirty="0"/>
-              <a:t>　</a:t>
-            </a:r>
-            <a:r>
-              <a:rPr lang="ja-JP" altLang="en-US" dirty="0" smtClean="0"/>
-              <a:t>       </a:t>
-            </a:r>
-            <a:r>
-              <a:rPr kumimoji="1" lang="ja-JP" altLang="en-US" dirty="0" smtClean="0"/>
-              <a:t>富川</a:t>
-            </a:r>
-            <a:endParaRPr kumimoji="1" lang="en-US" altLang="ja-JP" dirty="0" smtClean="0"/>
-          </a:p>
-          <a:p>
-            <a:pPr marL="0" indent="0">
-              <a:buNone/>
-            </a:pPr>
-            <a:r>
-              <a:rPr kumimoji="1" lang="ja-JP" altLang="en-US" dirty="0" smtClean="0"/>
-              <a:t>・</a:t>
-            </a:r>
-            <a:r>
-              <a:rPr kumimoji="1" lang="en-US" altLang="ja-JP" dirty="0" err="1" smtClean="0"/>
-              <a:t>MapTip</a:t>
-            </a:r>
-            <a:endParaRPr kumimoji="1" lang="en-US" altLang="ja-JP" dirty="0" smtClean="0"/>
-          </a:p>
-          <a:p>
-            <a:pPr marL="0" indent="0">
-              <a:buNone/>
-            </a:pPr>
-            <a:r>
-              <a:rPr lang="ja-JP" altLang="en-US" dirty="0" smtClean="0"/>
-              <a:t>・</a:t>
-            </a:r>
-            <a:r>
-              <a:rPr lang="en-US" altLang="ja-JP" dirty="0" smtClean="0"/>
-              <a:t>Title</a:t>
-            </a:r>
-            <a:endParaRPr kumimoji="1" lang="ja-JP" altLang="en-US" dirty="0"/>
-          </a:p>
-        </p:txBody>
-      </p:sp>
-      <p:sp>
-        <p:nvSpPr>
-          <p:cNvPr id="5" name="テキスト ボックス 4"/>
+        <p:style>
+          <a:lnRef idx="2">
+            <a:schemeClr val="accent1">
+              <a:shade val="50000"/>
+            </a:schemeClr>
+          </a:lnRef>
+          <a:fillRef idx="1">
+            <a:schemeClr val="accent1"/>
+          </a:fillRef>
+          <a:effectRef idx="0">
+            <a:schemeClr val="accent1"/>
+          </a:effectRef>
+          <a:fontRef idx="minor">
+            <a:schemeClr val="lt1"/>
+          </a:fontRef>
+        </p:style>
+        <p:txBody>
+          <a:bodyPr rtlCol="0" anchor="ctr"/>
+          <a:lstStyle/>
+          <a:p>
+            <a:pPr algn="ctr"/>
+            <a:endParaRPr kumimoji="1" lang="ja-JP" altLang="en-US"/>
+          </a:p>
+        </p:txBody>
+      </p:sp>
+      <p:sp>
+        <p:nvSpPr>
+          <p:cNvPr id="5" name="二等辺三角形 4"/>
+          <p:cNvSpPr/>
+          <p:nvPr/>
+        </p:nvSpPr>
+        <p:spPr>
+          <a:xfrm>
+            <a:off x="4651898" y="3240349"/>
+            <a:ext cx="736847" cy="710214"/>
+          </a:xfrm>
+          <a:prstGeom prst="triangle">
+            <a:avLst/>
+          </a:prstGeom>
+        </p:spPr>
+        <p:style>
+          <a:lnRef idx="2">
+            <a:schemeClr val="accent1">
+              <a:shade val="50000"/>
+            </a:schemeClr>
+          </a:lnRef>
+          <a:fillRef idx="1">
+            <a:schemeClr val="accent1"/>
+          </a:fillRef>
+          <a:effectRef idx="0">
+            <a:schemeClr val="accent1"/>
+          </a:effectRef>
+          <a:fontRef idx="minor">
+            <a:schemeClr val="lt1"/>
+          </a:fontRef>
+        </p:style>
+        <p:txBody>
+          <a:bodyPr rtlCol="0" anchor="ctr"/>
+          <a:lstStyle/>
+          <a:p>
+            <a:pPr algn="ctr"/>
+            <a:endParaRPr kumimoji="1" lang="ja-JP" altLang="en-US"/>
+          </a:p>
+        </p:txBody>
+      </p:sp>
+      <p:sp>
+        <p:nvSpPr>
+          <p:cNvPr id="6" name="テキスト ボックス 5"/>
           <p:cNvSpPr txBox="1"/>
           <p:nvPr/>
         </p:nvSpPr>
         <p:spPr>
           <a:xfrm>
-            <a:off x="3941684" y="1690688"/>
-            <a:ext cx="3542192" cy="1384995"/>
+            <a:off x="763480" y="692458"/>
+            <a:ext cx="9942990" cy="461665"/>
           </a:xfrm>
           <a:prstGeom prst="rect">
             <a:avLst/>
@@ -3680,87 +4179,21 @@
           <a:lstStyle/>
           <a:p>
             <a:r>
-              <a:rPr lang="ja-JP" altLang="en-US" dirty="0" smtClean="0"/>
-              <a:t>　　　　　　</a:t>
-            </a:r>
-            <a:r>
-              <a:rPr lang="ja-JP" altLang="en-US" sz="2800" dirty="0" smtClean="0"/>
-              <a:t>中田</a:t>
-            </a:r>
-            <a:endParaRPr lang="en-US" altLang="ja-JP" sz="2800" dirty="0" smtClean="0"/>
-          </a:p>
-          <a:p>
-            <a:r>
-              <a:rPr kumimoji="1" lang="ja-JP" altLang="en-US" sz="2800" dirty="0" smtClean="0"/>
-              <a:t>・</a:t>
-            </a:r>
-            <a:r>
-              <a:rPr lang="en-US" altLang="ja-JP" sz="2800" dirty="0" smtClean="0"/>
-              <a:t>Enemy</a:t>
-            </a:r>
-          </a:p>
-          <a:p>
-            <a:r>
-              <a:rPr kumimoji="1" lang="ja-JP" altLang="en-US" sz="2800" dirty="0" smtClean="0"/>
-              <a:t>・</a:t>
-            </a:r>
-            <a:r>
-              <a:rPr kumimoji="1" lang="en-US" altLang="ja-JP" sz="2800" dirty="0" smtClean="0"/>
-              <a:t>Trap</a:t>
-            </a:r>
-            <a:endParaRPr kumimoji="1" lang="ja-JP" altLang="en-US" sz="2800" dirty="0"/>
-          </a:p>
-        </p:txBody>
-      </p:sp>
-      <p:sp>
-        <p:nvSpPr>
-          <p:cNvPr id="6" name="テキスト ボックス 5"/>
-          <p:cNvSpPr txBox="1"/>
-          <p:nvPr/>
-        </p:nvSpPr>
-        <p:spPr>
-          <a:xfrm>
-            <a:off x="7483876" y="1690688"/>
-            <a:ext cx="3400147" cy="954107"/>
-          </a:xfrm>
-          <a:prstGeom prst="rect">
-            <a:avLst/>
-          </a:prstGeom>
-          <a:noFill/>
-        </p:spPr>
-        <p:txBody>
-          <a:bodyPr wrap="square" rtlCol="0">
-            <a:spAutoFit/>
-          </a:bodyPr>
-          <a:lstStyle/>
-          <a:p>
-            <a:r>
-              <a:rPr lang="ja-JP" altLang="en-US" sz="2800" dirty="0"/>
-              <a:t> </a:t>
-            </a:r>
-            <a:r>
-              <a:rPr lang="ja-JP" altLang="en-US" sz="2800" dirty="0" smtClean="0"/>
-              <a:t>            山田</a:t>
-            </a:r>
-            <a:endParaRPr lang="en-US" altLang="ja-JP" sz="2800" dirty="0" smtClean="0"/>
-          </a:p>
-          <a:p>
-            <a:r>
-              <a:rPr lang="ja-JP" altLang="en-US" sz="2800" dirty="0" smtClean="0"/>
-              <a:t>・</a:t>
-            </a:r>
-            <a:r>
-              <a:rPr lang="en-US" altLang="ja-JP" sz="2800" dirty="0" smtClean="0"/>
-              <a:t>Player</a:t>
-            </a:r>
-            <a:endParaRPr kumimoji="1" lang="ja-JP" altLang="en-US" sz="2800" dirty="0"/>
+              <a:rPr lang="ja-JP" altLang="en-US" sz="2400" dirty="0"/>
+              <a:t>敵</a:t>
+            </a:r>
+            <a:r>
+              <a:rPr lang="ja-JP" altLang="en-US" sz="2400" dirty="0" smtClean="0"/>
+              <a:t>はプレイヤーがある程度近づいたらプレイヤーを追うようになる</a:t>
+            </a:r>
+            <a:endParaRPr kumimoji="1" lang="ja-JP" altLang="en-US" sz="2400" dirty="0"/>
           </a:p>
         </p:txBody>
       </p:sp>
     </p:spTree>
     <p:extLst>
       <p:ext uri="{BB962C8B-B14F-4D97-AF65-F5344CB8AC3E}">
-        <p14:creationId xmlns:p14="http://schemas.microsoft.com/office/powerpoint/2010/main" val="633736070"/>
+        <p14:creationId xmlns:p14="http://schemas.microsoft.com/office/powerpoint/2010/main" val="3964262941"/>
       </p:ext>
     </p:extLst>
   </p:cSld>
@@ -3810,8 +4243,8 @@
           <a:lstStyle/>
           <a:p>
             <a:r>
-              <a:rPr lang="ja-JP" altLang="en-US" dirty="0"/>
-              <a:t>完了済み</a:t>
+              <a:rPr kumimoji="1" lang="ja-JP" altLang="en-US" dirty="0" smtClean="0"/>
+              <a:t>必要なデータ</a:t>
             </a:r>
             <a:endParaRPr kumimoji="1" lang="ja-JP" altLang="en-US" dirty="0"/>
           </a:p>
@@ -3819,7 +4252,7 @@
       </p:sp>
       <p:sp>
         <p:nvSpPr>
-          <p:cNvPr id="3" name="コンテンツ プレースホルダー 2"/>
+          <p:cNvPr id="6" name="コンテンツ プレースホルダー 5"/>
           <p:cNvSpPr>
             <a:spLocks noGrp="1"/>
           </p:cNvSpPr>
@@ -3827,22 +4260,142 @@
             <p:ph idx="1"/>
           </p:nvPr>
         </p:nvSpPr>
-        <p:spPr/>
-        <p:txBody>
-          <a:bodyPr/>
-          <a:lstStyle/>
-          <a:p>
-            <a:pPr marL="0" indent="0">
-              <a:buNone/>
-            </a:pPr>
+        <p:spPr>
+          <a:xfrm flipH="1">
+            <a:off x="12951780" y="2317072"/>
+            <a:ext cx="80640" cy="142042"/>
+          </a:xfrm>
+        </p:spPr>
+        <p:txBody>
+          <a:bodyPr>
+            <a:normAutofit fontScale="25000" lnSpcReduction="20000"/>
+          </a:bodyPr>
+          <a:lstStyle/>
+          <a:p>
             <a:endParaRPr kumimoji="1" lang="ja-JP" altLang="en-US" dirty="0"/>
+          </a:p>
+        </p:txBody>
+      </p:sp>
+      <p:sp>
+        <p:nvSpPr>
+          <p:cNvPr id="7" name="テキスト ボックス 6"/>
+          <p:cNvSpPr txBox="1"/>
+          <p:nvPr/>
+        </p:nvSpPr>
+        <p:spPr>
+          <a:xfrm>
+            <a:off x="527482" y="1568173"/>
+            <a:ext cx="10515600" cy="4708981"/>
+          </a:xfrm>
+          <a:prstGeom prst="rect">
+            <a:avLst/>
+          </a:prstGeom>
+          <a:noFill/>
+        </p:spPr>
+        <p:txBody>
+          <a:bodyPr wrap="square" rtlCol="0">
+            <a:spAutoFit/>
+          </a:bodyPr>
+          <a:lstStyle/>
+          <a:p>
+            <a:r>
+              <a:rPr kumimoji="1" lang="ja-JP" altLang="en-US" sz="6000" dirty="0" smtClean="0"/>
+              <a:t>・</a:t>
+            </a:r>
+            <a:r>
+              <a:rPr lang="en-US" altLang="ja-JP" sz="6000" dirty="0" smtClean="0"/>
+              <a:t>Player</a:t>
+            </a:r>
+            <a:r>
+              <a:rPr lang="ja-JP" altLang="en-US" sz="6000" dirty="0" smtClean="0"/>
+              <a:t>     　・</a:t>
+            </a:r>
+            <a:r>
+              <a:rPr lang="en-US" altLang="ja-JP" sz="6000" dirty="0" err="1" smtClean="0"/>
+              <a:t>MapTip</a:t>
+            </a:r>
+            <a:r>
+              <a:rPr lang="ja-JP" altLang="en-US" sz="6000" dirty="0" smtClean="0"/>
+              <a:t>　</a:t>
+            </a:r>
+            <a:r>
+              <a:rPr lang="en-US" altLang="ja-JP" sz="6000" dirty="0" smtClean="0"/>
+              <a:t> </a:t>
+            </a:r>
+          </a:p>
+          <a:p>
+            <a:r>
+              <a:rPr lang="ja-JP" altLang="en-US" sz="6000" dirty="0" smtClean="0"/>
+              <a:t>・</a:t>
+            </a:r>
+            <a:r>
+              <a:rPr lang="en-US" altLang="ja-JP" sz="6000" dirty="0" smtClean="0"/>
+              <a:t>Enemy   </a:t>
+            </a:r>
+            <a:r>
+              <a:rPr lang="ja-JP" altLang="en-US" sz="6000" dirty="0" smtClean="0"/>
+              <a:t>　</a:t>
+            </a:r>
+            <a:r>
+              <a:rPr lang="en-US" altLang="ja-JP" sz="6000" dirty="0" smtClean="0"/>
+              <a:t> </a:t>
+            </a:r>
+            <a:r>
+              <a:rPr lang="ja-JP" altLang="en-US" sz="6000" dirty="0" smtClean="0"/>
+              <a:t>・</a:t>
+            </a:r>
+            <a:r>
+              <a:rPr lang="en-US" altLang="ja-JP" sz="6000" dirty="0" smtClean="0"/>
+              <a:t>Title</a:t>
+            </a:r>
+            <a:endParaRPr lang="en-US" altLang="ja-JP" sz="6000" dirty="0"/>
+          </a:p>
+          <a:p>
+            <a:r>
+              <a:rPr lang="ja-JP" altLang="en-US" sz="6000" dirty="0" smtClean="0"/>
+              <a:t>・</a:t>
+            </a:r>
+            <a:r>
+              <a:rPr lang="en-US" altLang="ja-JP" sz="6000" dirty="0" smtClean="0"/>
+              <a:t>Bullet         </a:t>
+            </a:r>
+            <a:r>
+              <a:rPr lang="ja-JP" altLang="en-US" sz="6000" dirty="0" smtClean="0"/>
+              <a:t>・</a:t>
+            </a:r>
+            <a:r>
+              <a:rPr lang="en-US" altLang="ja-JP" sz="6000" dirty="0" err="1" smtClean="0"/>
+              <a:t>AnimData</a:t>
+            </a:r>
+            <a:endParaRPr lang="en-US" altLang="ja-JP" sz="6000" dirty="0" smtClean="0"/>
+          </a:p>
+          <a:p>
+            <a:r>
+              <a:rPr lang="ja-JP" altLang="en-US" sz="6000" dirty="0" smtClean="0"/>
+              <a:t>・</a:t>
+            </a:r>
+            <a:r>
+              <a:rPr lang="en-US" altLang="ja-JP" sz="6000" dirty="0" smtClean="0"/>
+              <a:t>Trap</a:t>
+            </a:r>
+            <a:endParaRPr lang="en-US" altLang="ja-JP" sz="6000" dirty="0"/>
+          </a:p>
+          <a:p>
+            <a:r>
+              <a:rPr lang="ja-JP" altLang="en-US" sz="6000" dirty="0" smtClean="0"/>
+              <a:t>・</a:t>
+            </a:r>
+            <a:r>
+              <a:rPr lang="en-US" altLang="ja-JP" sz="6000" dirty="0" smtClean="0"/>
+              <a:t>UI</a:t>
+            </a:r>
           </a:p>
         </p:txBody>
       </p:sp>
     </p:spTree>
     <p:extLst>
       <p:ext uri="{BB962C8B-B14F-4D97-AF65-F5344CB8AC3E}">
-        <p14:creationId xmlns:p14="http://schemas.microsoft.com/office/powerpoint/2010/main" val="2925636304"/>
+        <p14:creationId xmlns:p14="http://schemas.microsoft.com/office/powerpoint/2010/main" val="596986858"/>
       </p:ext>
     </p:extLst>
   </p:cSld>
@@ -3892,6 +4445,317 @@
           <a:lstStyle/>
           <a:p>
             <a:r>
+              <a:rPr lang="ja-JP" altLang="en-US" dirty="0"/>
+              <a:t>担当者</a:t>
+            </a:r>
+            <a:endParaRPr kumimoji="1" lang="ja-JP" altLang="en-US" dirty="0"/>
+          </a:p>
+        </p:txBody>
+      </p:sp>
+      <p:sp>
+        <p:nvSpPr>
+          <p:cNvPr id="3" name="コンテンツ プレースホルダー 2"/>
+          <p:cNvSpPr>
+            <a:spLocks noGrp="1"/>
+          </p:cNvSpPr>
+          <p:nvPr>
+            <p:ph idx="1"/>
+          </p:nvPr>
+        </p:nvSpPr>
+        <p:spPr>
+          <a:xfrm>
+            <a:off x="838199" y="1825625"/>
+            <a:ext cx="3103485" cy="1459113"/>
+          </a:xfrm>
+        </p:spPr>
+        <p:txBody>
+          <a:bodyPr>
+            <a:normAutofit lnSpcReduction="10000"/>
+          </a:bodyPr>
+          <a:lstStyle/>
+          <a:p>
+            <a:pPr marL="0" indent="0">
+              <a:buNone/>
+            </a:pPr>
+            <a:r>
+              <a:rPr lang="ja-JP" altLang="en-US" dirty="0"/>
+              <a:t>　</a:t>
+            </a:r>
+            <a:r>
+              <a:rPr lang="ja-JP" altLang="en-US" dirty="0" smtClean="0"/>
+              <a:t>       </a:t>
+            </a:r>
+            <a:r>
+              <a:rPr kumimoji="1" lang="ja-JP" altLang="en-US" dirty="0" smtClean="0"/>
+              <a:t>富川</a:t>
+            </a:r>
+            <a:endParaRPr kumimoji="1" lang="en-US" altLang="ja-JP" dirty="0" smtClean="0"/>
+          </a:p>
+          <a:p>
+            <a:pPr marL="0" indent="0">
+              <a:buNone/>
+            </a:pPr>
+            <a:r>
+              <a:rPr kumimoji="1" lang="ja-JP" altLang="en-US" dirty="0" smtClean="0"/>
+              <a:t>・</a:t>
+            </a:r>
+            <a:r>
+              <a:rPr kumimoji="1" lang="en-US" altLang="ja-JP" dirty="0" err="1" smtClean="0"/>
+              <a:t>MapTip</a:t>
+            </a:r>
+            <a:endParaRPr kumimoji="1" lang="en-US" altLang="ja-JP" dirty="0" smtClean="0"/>
+          </a:p>
+          <a:p>
+            <a:pPr marL="0" indent="0">
+              <a:buNone/>
+            </a:pPr>
+            <a:r>
+              <a:rPr lang="ja-JP" altLang="en-US" dirty="0" smtClean="0"/>
+              <a:t>・</a:t>
+            </a:r>
+            <a:r>
+              <a:rPr lang="en-US" altLang="ja-JP" dirty="0" smtClean="0"/>
+              <a:t>Title</a:t>
+            </a:r>
+            <a:endParaRPr kumimoji="1" lang="ja-JP" altLang="en-US" dirty="0"/>
+          </a:p>
+        </p:txBody>
+      </p:sp>
+      <p:sp>
+        <p:nvSpPr>
+          <p:cNvPr id="5" name="テキスト ボックス 4"/>
+          <p:cNvSpPr txBox="1"/>
+          <p:nvPr/>
+        </p:nvSpPr>
+        <p:spPr>
+          <a:xfrm>
+            <a:off x="3941684" y="1690688"/>
+            <a:ext cx="3542192" cy="1384995"/>
+          </a:xfrm>
+          <a:prstGeom prst="rect">
+            <a:avLst/>
+          </a:prstGeom>
+          <a:noFill/>
+        </p:spPr>
+        <p:txBody>
+          <a:bodyPr wrap="square" rtlCol="0">
+            <a:spAutoFit/>
+          </a:bodyPr>
+          <a:lstStyle/>
+          <a:p>
+            <a:r>
+              <a:rPr lang="ja-JP" altLang="en-US" dirty="0" smtClean="0"/>
+              <a:t>　　　　　　</a:t>
+            </a:r>
+            <a:r>
+              <a:rPr lang="ja-JP" altLang="en-US" sz="2800" dirty="0" smtClean="0"/>
+              <a:t>中田</a:t>
+            </a:r>
+            <a:endParaRPr lang="en-US" altLang="ja-JP" sz="2800" dirty="0" smtClean="0"/>
+          </a:p>
+          <a:p>
+            <a:r>
+              <a:rPr kumimoji="1" lang="ja-JP" altLang="en-US" sz="2800" dirty="0" smtClean="0"/>
+              <a:t>・</a:t>
+            </a:r>
+            <a:r>
+              <a:rPr lang="en-US" altLang="ja-JP" sz="2800" dirty="0" smtClean="0"/>
+              <a:t>Enemy</a:t>
+            </a:r>
+          </a:p>
+          <a:p>
+            <a:r>
+              <a:rPr kumimoji="1" lang="ja-JP" altLang="en-US" sz="2800" dirty="0" smtClean="0"/>
+              <a:t>・</a:t>
+            </a:r>
+            <a:r>
+              <a:rPr kumimoji="1" lang="en-US" altLang="ja-JP" sz="2800" dirty="0" smtClean="0"/>
+              <a:t>Trap</a:t>
+            </a:r>
+            <a:endParaRPr kumimoji="1" lang="ja-JP" altLang="en-US" sz="2800" dirty="0"/>
+          </a:p>
+        </p:txBody>
+      </p:sp>
+      <p:sp>
+        <p:nvSpPr>
+          <p:cNvPr id="6" name="テキスト ボックス 5"/>
+          <p:cNvSpPr txBox="1"/>
+          <p:nvPr/>
+        </p:nvSpPr>
+        <p:spPr>
+          <a:xfrm>
+            <a:off x="7483876" y="1690688"/>
+            <a:ext cx="3400147" cy="954107"/>
+          </a:xfrm>
+          <a:prstGeom prst="rect">
+            <a:avLst/>
+          </a:prstGeom>
+          <a:noFill/>
+        </p:spPr>
+        <p:txBody>
+          <a:bodyPr wrap="square" rtlCol="0">
+            <a:spAutoFit/>
+          </a:bodyPr>
+          <a:lstStyle/>
+          <a:p>
+            <a:r>
+              <a:rPr lang="ja-JP" altLang="en-US" sz="2800" dirty="0"/>
+              <a:t> </a:t>
+            </a:r>
+            <a:r>
+              <a:rPr lang="ja-JP" altLang="en-US" sz="2800" dirty="0" smtClean="0"/>
+              <a:t>            山田</a:t>
+            </a:r>
+            <a:endParaRPr lang="en-US" altLang="ja-JP" sz="2800" dirty="0" smtClean="0"/>
+          </a:p>
+          <a:p>
+            <a:r>
+              <a:rPr lang="ja-JP" altLang="en-US" sz="2800" dirty="0" smtClean="0"/>
+              <a:t>・</a:t>
+            </a:r>
+            <a:r>
+              <a:rPr lang="en-US" altLang="ja-JP" sz="2800" dirty="0" smtClean="0"/>
+              <a:t>Player</a:t>
+            </a:r>
+            <a:endParaRPr kumimoji="1" lang="ja-JP" altLang="en-US" sz="2800" dirty="0"/>
+          </a:p>
+        </p:txBody>
+      </p:sp>
+    </p:spTree>
+    <p:extLst>
+      <p:ext uri="{BB962C8B-B14F-4D97-AF65-F5344CB8AC3E}">
+        <p14:creationId xmlns:p14="http://schemas.microsoft.com/office/powerpoint/2010/main" val="633736070"/>
+      </p:ext>
+    </p:extLst>
+  </p:cSld>
+  <p:clrMapOvr>
+    <a:masterClrMapping/>
+  </p:clrMapOvr>
+  <p:timing>
+    <p:tnLst>
+      <p:par>
+        <p:cTn id="1" dur="indefinite" restart="never" nodeType="tmRoot"/>
+      </p:par>
+    </p:tnLst>
+  </p:timing>
+</p:sld>
+</file>
+
+<file path=ppt/slides/slide6.xml><?xml version="1.0" encoding="utf-8"?>
+<p:sld xmlns:a="http://schemas.openxmlformats.org/drawingml/2006/main" xmlns:r="http://schemas.openxmlformats.org/officeDocument/2006/relationships" xmlns:p="http://schemas.openxmlformats.org/presentationml/2006/main">
+  <p:cSld>
+    <p:spTree>
+      <p:nvGrpSpPr>
+        <p:cNvPr id="1" name=""/>
+        <p:cNvGrpSpPr/>
+        <p:nvPr/>
+      </p:nvGrpSpPr>
+      <p:grpSpPr>
+        <a:xfrm>
+          <a:off x="0" y="0"/>
+          <a:ext cx="0" cy="0"/>
+          <a:chOff x="0" y="0"/>
+          <a:chExt cx="0" cy="0"/>
+        </a:xfrm>
+      </p:grpSpPr>
+      <p:sp>
+        <p:nvSpPr>
+          <p:cNvPr id="2" name="タイトル 1"/>
+          <p:cNvSpPr>
+            <a:spLocks noGrp="1"/>
+          </p:cNvSpPr>
+          <p:nvPr>
+            <p:ph type="title"/>
+          </p:nvPr>
+        </p:nvSpPr>
+        <p:spPr/>
+        <p:txBody>
+          <a:bodyPr/>
+          <a:lstStyle/>
+          <a:p>
+            <a:r>
+              <a:rPr lang="ja-JP" altLang="en-US" dirty="0"/>
+              <a:t>完了済み</a:t>
+            </a:r>
+            <a:endParaRPr kumimoji="1" lang="ja-JP" altLang="en-US" dirty="0"/>
+          </a:p>
+        </p:txBody>
+      </p:sp>
+      <p:sp>
+        <p:nvSpPr>
+          <p:cNvPr id="3" name="コンテンツ プレースホルダー 2"/>
+          <p:cNvSpPr>
+            <a:spLocks noGrp="1"/>
+          </p:cNvSpPr>
+          <p:nvPr>
+            <p:ph idx="1"/>
+          </p:nvPr>
+        </p:nvSpPr>
+        <p:spPr/>
+        <p:txBody>
+          <a:bodyPr/>
+          <a:lstStyle/>
+          <a:p>
+            <a:pPr marL="0" indent="0">
+              <a:buNone/>
+            </a:pPr>
+            <a:endParaRPr kumimoji="1" lang="ja-JP" altLang="en-US" dirty="0"/>
+          </a:p>
+        </p:txBody>
+      </p:sp>
+    </p:spTree>
+    <p:extLst>
+      <p:ext uri="{BB962C8B-B14F-4D97-AF65-F5344CB8AC3E}">
+        <p14:creationId xmlns:p14="http://schemas.microsoft.com/office/powerpoint/2010/main" val="2925636304"/>
+      </p:ext>
+    </p:extLst>
+  </p:cSld>
+  <p:clrMapOvr>
+    <a:masterClrMapping/>
+  </p:clrMapOvr>
+  <p:timing>
+    <p:tnLst>
+      <p:par>
+        <p:cTn id="1" dur="indefinite" restart="never" nodeType="tmRoot"/>
+      </p:par>
+    </p:tnLst>
+  </p:timing>
+</p:sld>
+</file>
+
+<file path=ppt/slides/slide7.xml><?xml version="1.0" encoding="utf-8"?>
+<p:sld xmlns:a="http://schemas.openxmlformats.org/drawingml/2006/main" xmlns:r="http://schemas.openxmlformats.org/officeDocument/2006/relationships" xmlns:p="http://schemas.openxmlformats.org/presentationml/2006/main">
+  <p:cSld>
+    <p:spTree>
+      <p:nvGrpSpPr>
+        <p:cNvPr id="1" name=""/>
+        <p:cNvGrpSpPr/>
+        <p:nvPr/>
+      </p:nvGrpSpPr>
+      <p:grpSpPr>
+        <a:xfrm>
+          <a:off x="0" y="0"/>
+          <a:ext cx="0" cy="0"/>
+          <a:chOff x="0" y="0"/>
+          <a:chExt cx="0" cy="0"/>
+        </a:xfrm>
+      </p:grpSpPr>
+      <p:sp>
+        <p:nvSpPr>
+          <p:cNvPr id="2" name="タイトル 1"/>
+          <p:cNvSpPr>
+            <a:spLocks noGrp="1"/>
+          </p:cNvSpPr>
+          <p:nvPr>
+            <p:ph type="title"/>
+          </p:nvPr>
+        </p:nvSpPr>
+        <p:spPr/>
+        <p:txBody>
+          <a:bodyPr/>
+          <a:lstStyle/>
+          <a:p>
+            <a:r>
               <a:rPr kumimoji="1" lang="ja-JP" altLang="en-US" dirty="0" smtClean="0"/>
               <a:t>製作期間</a:t>
             </a:r>
@@ -3978,9 +4842,9 @@
 </file>
 
 <file path=ppt/theme/theme1.xml><?xml version="1.0" encoding="utf-8"?>
-<a:theme xmlns:a="http://schemas.openxmlformats.org/drawingml/2006/main" name="Office テーマ">
+<a:theme xmlns:a="http://schemas.openxmlformats.org/drawingml/2006/main" name="Office Theme">
   <a:themeElements>
-    <a:clrScheme name="Office">
+    <a:clrScheme name="Office テーマ">
       <a:dk1>
         <a:sysClr val="windowText" lastClr="000000"/>
       </a:dk1>
@@ -4018,9 +4882,9 @@
         <a:srgbClr val="954F72"/>
       </a:folHlink>
     </a:clrScheme>
-    <a:fontScheme name="Office">
+    <a:fontScheme name="Office テーマ">
       <a:majorFont>
-        <a:latin typeface="游ゴシック Light" panose="020F0302020204030204"/>
+        <a:latin typeface="Calibri Light" panose="020F0302020204030204"/>
         <a:ea typeface=""/>
         <a:cs typeface=""/>
         <a:font script="Jpan" typeface="游ゴシック Light"/>
@@ -4055,7 +4919,7 @@
         <a:font script="Geor" typeface="Sylfaen"/>
       </a:majorFont>
       <a:minorFont>
-        <a:latin typeface="游ゴシック" panose="020F0502020204030204"/>
+        <a:latin typeface="Calibri" panose="020F0502020204030204"/>
         <a:ea typeface=""/>
         <a:cs typeface=""/>
         <a:font script="Jpan" typeface="游ゴシック"/>
@@ -4090,7 +4954,7 @@
         <a:font script="Geor" typeface="Sylfaen"/>
       </a:minorFont>
     </a:fontScheme>
-    <a:fmtScheme name="Office">
+    <a:fmtScheme name="Office テーマ">
       <a:fillStyleLst>
         <a:solidFill>
           <a:schemeClr val="phClr"/>

--- a/アクションゲーム.pptx
+++ b/アクションゲーム.pptx
@@ -8,10 +8,12 @@
     <p:sldId id="256" r:id="rId2"/>
     <p:sldId id="261" r:id="rId3"/>
     <p:sldId id="262" r:id="rId4"/>
-    <p:sldId id="257" r:id="rId5"/>
-    <p:sldId id="258" r:id="rId6"/>
-    <p:sldId id="259" r:id="rId7"/>
-    <p:sldId id="260" r:id="rId8"/>
+    <p:sldId id="264" r:id="rId5"/>
+    <p:sldId id="263" r:id="rId6"/>
+    <p:sldId id="257" r:id="rId7"/>
+    <p:sldId id="258" r:id="rId8"/>
+    <p:sldId id="259" r:id="rId9"/>
+    <p:sldId id="260" r:id="rId10"/>
   </p:sldIdLst>
   <p:sldSz cx="12192000" cy="6858000"/>
   <p:notesSz cx="6858000" cy="9144000"/>
@@ -249,7 +251,7 @@
           <a:p>
             <a:fld id="{62014B94-B595-4A25-97D0-F8D71E9F664E}" type="datetimeFigureOut">
               <a:rPr kumimoji="1" lang="ja-JP" altLang="en-US" smtClean="0"/>
-              <a:t>2022/10/3</a:t>
+              <a:t>2022/10/5</a:t>
             </a:fld>
             <a:endParaRPr kumimoji="1" lang="ja-JP" altLang="en-US"/>
           </a:p>
@@ -451,7 +453,7 @@
           <a:p>
             <a:fld id="{62014B94-B595-4A25-97D0-F8D71E9F664E}" type="datetimeFigureOut">
               <a:rPr kumimoji="1" lang="ja-JP" altLang="en-US" smtClean="0"/>
-              <a:t>2022/10/3</a:t>
+              <a:t>2022/10/5</a:t>
             </a:fld>
             <a:endParaRPr kumimoji="1" lang="ja-JP" altLang="en-US"/>
           </a:p>
@@ -663,7 +665,7 @@
           <a:p>
             <a:fld id="{62014B94-B595-4A25-97D0-F8D71E9F664E}" type="datetimeFigureOut">
               <a:rPr kumimoji="1" lang="ja-JP" altLang="en-US" smtClean="0"/>
-              <a:t>2022/10/3</a:t>
+              <a:t>2022/10/5</a:t>
             </a:fld>
             <a:endParaRPr kumimoji="1" lang="ja-JP" altLang="en-US"/>
           </a:p>
@@ -865,7 +867,7 @@
           <a:p>
             <a:fld id="{62014B94-B595-4A25-97D0-F8D71E9F664E}" type="datetimeFigureOut">
               <a:rPr kumimoji="1" lang="ja-JP" altLang="en-US" smtClean="0"/>
-              <a:t>2022/10/3</a:t>
+              <a:t>2022/10/5</a:t>
             </a:fld>
             <a:endParaRPr kumimoji="1" lang="ja-JP" altLang="en-US"/>
           </a:p>
@@ -1111,7 +1113,7 @@
           <a:p>
             <a:fld id="{62014B94-B595-4A25-97D0-F8D71E9F664E}" type="datetimeFigureOut">
               <a:rPr kumimoji="1" lang="ja-JP" altLang="en-US" smtClean="0"/>
-              <a:t>2022/10/3</a:t>
+              <a:t>2022/10/5</a:t>
             </a:fld>
             <a:endParaRPr kumimoji="1" lang="ja-JP" altLang="en-US"/>
           </a:p>
@@ -1407,7 +1409,7 @@
           <a:p>
             <a:fld id="{62014B94-B595-4A25-97D0-F8D71E9F664E}" type="datetimeFigureOut">
               <a:rPr kumimoji="1" lang="ja-JP" altLang="en-US" smtClean="0"/>
-              <a:t>2022/10/3</a:t>
+              <a:t>2022/10/5</a:t>
             </a:fld>
             <a:endParaRPr kumimoji="1" lang="ja-JP" altLang="en-US"/>
           </a:p>
@@ -1838,7 +1840,7 @@
           <a:p>
             <a:fld id="{62014B94-B595-4A25-97D0-F8D71E9F664E}" type="datetimeFigureOut">
               <a:rPr kumimoji="1" lang="ja-JP" altLang="en-US" smtClean="0"/>
-              <a:t>2022/10/3</a:t>
+              <a:t>2022/10/5</a:t>
             </a:fld>
             <a:endParaRPr kumimoji="1" lang="ja-JP" altLang="en-US"/>
           </a:p>
@@ -1956,7 +1958,7 @@
           <a:p>
             <a:fld id="{62014B94-B595-4A25-97D0-F8D71E9F664E}" type="datetimeFigureOut">
               <a:rPr kumimoji="1" lang="ja-JP" altLang="en-US" smtClean="0"/>
-              <a:t>2022/10/3</a:t>
+              <a:t>2022/10/5</a:t>
             </a:fld>
             <a:endParaRPr kumimoji="1" lang="ja-JP" altLang="en-US"/>
           </a:p>
@@ -2051,7 +2053,7 @@
           <a:p>
             <a:fld id="{62014B94-B595-4A25-97D0-F8D71E9F664E}" type="datetimeFigureOut">
               <a:rPr kumimoji="1" lang="ja-JP" altLang="en-US" smtClean="0"/>
-              <a:t>2022/10/3</a:t>
+              <a:t>2022/10/5</a:t>
             </a:fld>
             <a:endParaRPr kumimoji="1" lang="ja-JP" altLang="en-US"/>
           </a:p>
@@ -2360,7 +2362,7 @@
           <a:p>
             <a:fld id="{62014B94-B595-4A25-97D0-F8D71E9F664E}" type="datetimeFigureOut">
               <a:rPr kumimoji="1" lang="ja-JP" altLang="en-US" smtClean="0"/>
-              <a:t>2022/10/3</a:t>
+              <a:t>2022/10/5</a:t>
             </a:fld>
             <a:endParaRPr kumimoji="1" lang="ja-JP" altLang="en-US"/>
           </a:p>
@@ -2617,7 +2619,7 @@
           <a:p>
             <a:fld id="{62014B94-B595-4A25-97D0-F8D71E9F664E}" type="datetimeFigureOut">
               <a:rPr kumimoji="1" lang="ja-JP" altLang="en-US" smtClean="0"/>
-              <a:t>2022/10/3</a:t>
+              <a:t>2022/10/5</a:t>
             </a:fld>
             <a:endParaRPr kumimoji="1" lang="ja-JP" altLang="en-US"/>
           </a:p>
@@ -2862,7 +2864,7 @@
           <a:p>
             <a:fld id="{62014B94-B595-4A25-97D0-F8D71E9F664E}" type="datetimeFigureOut">
               <a:rPr kumimoji="1" lang="ja-JP" altLang="en-US" smtClean="0"/>
-              <a:t>2022/10/3</a:t>
+              <a:t>2022/10/5</a:t>
             </a:fld>
             <a:endParaRPr kumimoji="1" lang="ja-JP" altLang="en-US"/>
           </a:p>
@@ -4039,6 +4041,47 @@
           </a:p>
         </p:txBody>
       </p:sp>
+      <p:sp>
+        <p:nvSpPr>
+          <p:cNvPr id="21" name="テキスト ボックス 20"/>
+          <p:cNvSpPr txBox="1"/>
+          <p:nvPr/>
+        </p:nvSpPr>
+        <p:spPr>
+          <a:xfrm>
+            <a:off x="1100831" y="1083892"/>
+            <a:ext cx="7879080" cy="830997"/>
+          </a:xfrm>
+          <a:prstGeom prst="rect">
+            <a:avLst/>
+          </a:prstGeom>
+          <a:noFill/>
+        </p:spPr>
+        <p:txBody>
+          <a:bodyPr wrap="none" rtlCol="0">
+            <a:spAutoFit/>
+          </a:bodyPr>
+          <a:lstStyle/>
+          <a:p>
+            <a:r>
+              <a:rPr kumimoji="1" lang="ja-JP" altLang="en-US" sz="2400" dirty="0" smtClean="0"/>
+              <a:t>ゲームを開始すると、０、１、２、とカウントが始まる</a:t>
+            </a:r>
+            <a:endParaRPr kumimoji="1" lang="en-US" altLang="ja-JP" sz="2400" dirty="0" smtClean="0"/>
+          </a:p>
+          <a:p>
+            <a:r>
+              <a:rPr lang="ja-JP" altLang="en-US" sz="2400" dirty="0"/>
+              <a:t>どれだけ</a:t>
+            </a:r>
+            <a:r>
+              <a:rPr lang="ja-JP" altLang="en-US" sz="2400" dirty="0" smtClean="0"/>
+              <a:t>早くゴールできるかを競う</a:t>
+            </a:r>
+            <a:endParaRPr kumimoji="1" lang="ja-JP" altLang="en-US" sz="2400" dirty="0"/>
+          </a:p>
+        </p:txBody>
+      </p:sp>
     </p:spTree>
     <p:extLst>
       <p:ext uri="{BB962C8B-B14F-4D97-AF65-F5344CB8AC3E}">
@@ -4084,7 +4127,7 @@
         </p:nvSpPr>
         <p:spPr>
           <a:xfrm>
-            <a:off x="2911876" y="4261281"/>
+            <a:off x="705775" y="4705165"/>
             <a:ext cx="914400" cy="914400"/>
           </a:xfrm>
           <a:prstGeom prst="ellipse">
@@ -4124,7 +4167,7 @@
         </p:nvSpPr>
         <p:spPr>
           <a:xfrm>
-            <a:off x="4651898" y="3240349"/>
+            <a:off x="3018407" y="3196359"/>
             <a:ext cx="736847" cy="710214"/>
           </a:xfrm>
           <a:prstGeom prst="triangle">
@@ -4187,6 +4230,186 @@
               <a:t>はプレイヤーがある程度近づいたらプレイヤーを追うようになる</a:t>
             </a:r>
             <a:endParaRPr kumimoji="1" lang="ja-JP" altLang="en-US" sz="2400" dirty="0"/>
+          </a:p>
+        </p:txBody>
+      </p:sp>
+      <p:sp>
+        <p:nvSpPr>
+          <p:cNvPr id="2" name="楕円 1"/>
+          <p:cNvSpPr/>
+          <p:nvPr/>
+        </p:nvSpPr>
+        <p:spPr>
+          <a:xfrm>
+            <a:off x="10706470" y="4456591"/>
+            <a:ext cx="896644" cy="923278"/>
+          </a:xfrm>
+          <a:prstGeom prst="ellipse">
+            <a:avLst/>
+          </a:prstGeom>
+        </p:spPr>
+        <p:style>
+          <a:lnRef idx="2">
+            <a:schemeClr val="accent1">
+              <a:shade val="50000"/>
+            </a:schemeClr>
+          </a:lnRef>
+          <a:fillRef idx="1">
+            <a:schemeClr val="accent1"/>
+          </a:fillRef>
+          <a:effectRef idx="0">
+            <a:schemeClr val="accent1"/>
+          </a:effectRef>
+          <a:fontRef idx="minor">
+            <a:schemeClr val="lt1"/>
+          </a:fontRef>
+        </p:style>
+        <p:txBody>
+          <a:bodyPr rtlCol="0" anchor="ctr"/>
+          <a:lstStyle/>
+          <a:p>
+            <a:pPr algn="ctr"/>
+            <a:endParaRPr kumimoji="1" lang="ja-JP" altLang="en-US"/>
+          </a:p>
+        </p:txBody>
+      </p:sp>
+      <p:sp>
+        <p:nvSpPr>
+          <p:cNvPr id="3" name="二等辺三角形 2"/>
+          <p:cNvSpPr/>
+          <p:nvPr/>
+        </p:nvSpPr>
+        <p:spPr>
+          <a:xfrm>
+            <a:off x="9135121" y="3289175"/>
+            <a:ext cx="798991" cy="790114"/>
+          </a:xfrm>
+          <a:prstGeom prst="triangle">
+            <a:avLst/>
+          </a:prstGeom>
+        </p:spPr>
+        <p:style>
+          <a:lnRef idx="2">
+            <a:schemeClr val="accent1">
+              <a:shade val="50000"/>
+            </a:schemeClr>
+          </a:lnRef>
+          <a:fillRef idx="1">
+            <a:schemeClr val="accent1"/>
+          </a:fillRef>
+          <a:effectRef idx="0">
+            <a:schemeClr val="accent1"/>
+          </a:effectRef>
+          <a:fontRef idx="minor">
+            <a:schemeClr val="lt1"/>
+          </a:fontRef>
+        </p:style>
+        <p:txBody>
+          <a:bodyPr rtlCol="0" anchor="ctr"/>
+          <a:lstStyle/>
+          <a:p>
+            <a:pPr algn="ctr"/>
+            <a:endParaRPr kumimoji="1" lang="ja-JP" altLang="en-US"/>
+          </a:p>
+        </p:txBody>
+      </p:sp>
+      <p:sp>
+        <p:nvSpPr>
+          <p:cNvPr id="7" name="下矢印 6"/>
+          <p:cNvSpPr/>
+          <p:nvPr/>
+        </p:nvSpPr>
+        <p:spPr>
+          <a:xfrm rot="18280040">
+            <a:off x="10067700" y="3998898"/>
+            <a:ext cx="540687" cy="603098"/>
+          </a:xfrm>
+          <a:prstGeom prst="downArrow">
+            <a:avLst/>
+          </a:prstGeom>
+        </p:spPr>
+        <p:style>
+          <a:lnRef idx="2">
+            <a:schemeClr val="accent1">
+              <a:shade val="50000"/>
+            </a:schemeClr>
+          </a:lnRef>
+          <a:fillRef idx="1">
+            <a:schemeClr val="accent1"/>
+          </a:fillRef>
+          <a:effectRef idx="0">
+            <a:schemeClr val="accent1"/>
+          </a:effectRef>
+          <a:fontRef idx="minor">
+            <a:schemeClr val="lt1"/>
+          </a:fontRef>
+        </p:style>
+        <p:txBody>
+          <a:bodyPr rtlCol="0" anchor="ctr"/>
+          <a:lstStyle/>
+          <a:p>
+            <a:pPr algn="ctr"/>
+            <a:endParaRPr kumimoji="1" lang="ja-JP" altLang="en-US"/>
+          </a:p>
+        </p:txBody>
+      </p:sp>
+      <p:sp>
+        <p:nvSpPr>
+          <p:cNvPr id="8" name="テキスト ボックス 7"/>
+          <p:cNvSpPr txBox="1"/>
+          <p:nvPr/>
+        </p:nvSpPr>
+        <p:spPr>
+          <a:xfrm>
+            <a:off x="705775" y="2827027"/>
+            <a:ext cx="3877985" cy="369332"/>
+          </a:xfrm>
+          <a:prstGeom prst="rect">
+            <a:avLst/>
+          </a:prstGeom>
+          <a:noFill/>
+        </p:spPr>
+        <p:txBody>
+          <a:bodyPr wrap="none" rtlCol="0">
+            <a:spAutoFit/>
+          </a:bodyPr>
+          <a:lstStyle/>
+          <a:p>
+            <a:r>
+              <a:rPr kumimoji="1" lang="ja-JP" altLang="en-US" dirty="0" smtClean="0"/>
+              <a:t>プレイヤーが近づかないと動かない</a:t>
+            </a:r>
+            <a:endParaRPr kumimoji="1" lang="ja-JP" altLang="en-US" dirty="0"/>
+          </a:p>
+        </p:txBody>
+      </p:sp>
+      <p:sp>
+        <p:nvSpPr>
+          <p:cNvPr id="9" name="テキスト ボックス 8"/>
+          <p:cNvSpPr txBox="1"/>
+          <p:nvPr/>
+        </p:nvSpPr>
+        <p:spPr>
+          <a:xfrm>
+            <a:off x="7249375" y="2827027"/>
+            <a:ext cx="4570482" cy="369332"/>
+          </a:xfrm>
+          <a:prstGeom prst="rect">
+            <a:avLst/>
+          </a:prstGeom>
+          <a:noFill/>
+        </p:spPr>
+        <p:txBody>
+          <a:bodyPr wrap="none" rtlCol="0">
+            <a:spAutoFit/>
+          </a:bodyPr>
+          <a:lstStyle/>
+          <a:p>
+            <a:r>
+              <a:rPr kumimoji="1" lang="ja-JP" altLang="en-US" dirty="0" smtClean="0"/>
+              <a:t>敵の近くを通ったりすると追うようになる</a:t>
+            </a:r>
+            <a:endParaRPr kumimoji="1" lang="ja-JP" altLang="en-US" dirty="0"/>
           </a:p>
         </p:txBody>
       </p:sp>
@@ -4229,6 +4452,1160 @@
       </p:grpSpPr>
       <p:sp>
         <p:nvSpPr>
+          <p:cNvPr id="14" name="正方形/長方形 13"/>
+          <p:cNvSpPr/>
+          <p:nvPr/>
+        </p:nvSpPr>
+        <p:spPr>
+          <a:xfrm>
+            <a:off x="2763124" y="5613655"/>
+            <a:ext cx="617738" cy="344001"/>
+          </a:xfrm>
+          <a:prstGeom prst="rect">
+            <a:avLst/>
+          </a:prstGeom>
+        </p:spPr>
+        <p:style>
+          <a:lnRef idx="2">
+            <a:schemeClr val="accent1">
+              <a:shade val="50000"/>
+            </a:schemeClr>
+          </a:lnRef>
+          <a:fillRef idx="1">
+            <a:schemeClr val="accent1"/>
+          </a:fillRef>
+          <a:effectRef idx="0">
+            <a:schemeClr val="accent1"/>
+          </a:effectRef>
+          <a:fontRef idx="minor">
+            <a:schemeClr val="lt1"/>
+          </a:fontRef>
+        </p:style>
+        <p:txBody>
+          <a:bodyPr rtlCol="0" anchor="ctr"/>
+          <a:lstStyle/>
+          <a:p>
+            <a:pPr algn="ctr"/>
+            <a:endParaRPr kumimoji="1" lang="ja-JP" altLang="en-US"/>
+          </a:p>
+        </p:txBody>
+      </p:sp>
+      <p:sp>
+        <p:nvSpPr>
+          <p:cNvPr id="3" name="正方形/長方形 2"/>
+          <p:cNvSpPr/>
+          <p:nvPr/>
+        </p:nvSpPr>
+        <p:spPr>
+          <a:xfrm>
+            <a:off x="967665" y="2699921"/>
+            <a:ext cx="1500326" cy="479393"/>
+          </a:xfrm>
+          <a:prstGeom prst="rect">
+            <a:avLst/>
+          </a:prstGeom>
+        </p:spPr>
+        <p:style>
+          <a:lnRef idx="2">
+            <a:schemeClr val="accent1">
+              <a:shade val="50000"/>
+            </a:schemeClr>
+          </a:lnRef>
+          <a:fillRef idx="1">
+            <a:schemeClr val="accent1"/>
+          </a:fillRef>
+          <a:effectRef idx="0">
+            <a:schemeClr val="accent1"/>
+          </a:effectRef>
+          <a:fontRef idx="minor">
+            <a:schemeClr val="lt1"/>
+          </a:fontRef>
+        </p:style>
+        <p:txBody>
+          <a:bodyPr rtlCol="0" anchor="ctr"/>
+          <a:lstStyle/>
+          <a:p>
+            <a:pPr algn="ctr"/>
+            <a:endParaRPr kumimoji="1" lang="ja-JP" altLang="en-US"/>
+          </a:p>
+        </p:txBody>
+      </p:sp>
+      <p:sp>
+        <p:nvSpPr>
+          <p:cNvPr id="4" name="楕円 3"/>
+          <p:cNvSpPr/>
+          <p:nvPr/>
+        </p:nvSpPr>
+        <p:spPr>
+          <a:xfrm>
+            <a:off x="310717" y="1980645"/>
+            <a:ext cx="656948" cy="630314"/>
+          </a:xfrm>
+          <a:prstGeom prst="ellipse">
+            <a:avLst/>
+          </a:prstGeom>
+        </p:spPr>
+        <p:style>
+          <a:lnRef idx="2">
+            <a:schemeClr val="accent1">
+              <a:shade val="50000"/>
+            </a:schemeClr>
+          </a:lnRef>
+          <a:fillRef idx="1">
+            <a:schemeClr val="accent1"/>
+          </a:fillRef>
+          <a:effectRef idx="0">
+            <a:schemeClr val="accent1"/>
+          </a:effectRef>
+          <a:fontRef idx="minor">
+            <a:schemeClr val="lt1"/>
+          </a:fontRef>
+        </p:style>
+        <p:txBody>
+          <a:bodyPr rtlCol="0" anchor="ctr"/>
+          <a:lstStyle/>
+          <a:p>
+            <a:pPr algn="ctr"/>
+            <a:endParaRPr kumimoji="1" lang="ja-JP" altLang="en-US"/>
+          </a:p>
+        </p:txBody>
+      </p:sp>
+      <p:sp>
+        <p:nvSpPr>
+          <p:cNvPr id="5" name="二等辺三角形 4"/>
+          <p:cNvSpPr/>
+          <p:nvPr/>
+        </p:nvSpPr>
+        <p:spPr>
+          <a:xfrm rot="10800000">
+            <a:off x="1180731" y="1532508"/>
+            <a:ext cx="843378" cy="568171"/>
+          </a:xfrm>
+          <a:prstGeom prst="triangle">
+            <a:avLst/>
+          </a:prstGeom>
+        </p:spPr>
+        <p:style>
+          <a:lnRef idx="2">
+            <a:schemeClr val="accent1">
+              <a:shade val="50000"/>
+            </a:schemeClr>
+          </a:lnRef>
+          <a:fillRef idx="1">
+            <a:schemeClr val="accent1"/>
+          </a:fillRef>
+          <a:effectRef idx="0">
+            <a:schemeClr val="accent1"/>
+          </a:effectRef>
+          <a:fontRef idx="minor">
+            <a:schemeClr val="lt1"/>
+          </a:fontRef>
+        </p:style>
+        <p:txBody>
+          <a:bodyPr rtlCol="0" anchor="ctr"/>
+          <a:lstStyle/>
+          <a:p>
+            <a:pPr algn="ctr"/>
+            <a:endParaRPr kumimoji="1" lang="ja-JP" altLang="en-US"/>
+          </a:p>
+        </p:txBody>
+      </p:sp>
+      <p:sp>
+        <p:nvSpPr>
+          <p:cNvPr id="2" name="正方形/長方形 1"/>
+          <p:cNvSpPr/>
+          <p:nvPr/>
+        </p:nvSpPr>
+        <p:spPr>
+          <a:xfrm>
+            <a:off x="941033" y="1412291"/>
+            <a:ext cx="1500326" cy="479393"/>
+          </a:xfrm>
+          <a:prstGeom prst="rect">
+            <a:avLst/>
+          </a:prstGeom>
+        </p:spPr>
+        <p:style>
+          <a:lnRef idx="2">
+            <a:schemeClr val="accent1">
+              <a:shade val="50000"/>
+            </a:schemeClr>
+          </a:lnRef>
+          <a:fillRef idx="1">
+            <a:schemeClr val="accent1"/>
+          </a:fillRef>
+          <a:effectRef idx="0">
+            <a:schemeClr val="accent1"/>
+          </a:effectRef>
+          <a:fontRef idx="minor">
+            <a:schemeClr val="lt1"/>
+          </a:fontRef>
+        </p:style>
+        <p:txBody>
+          <a:bodyPr rtlCol="0" anchor="ctr"/>
+          <a:lstStyle/>
+          <a:p>
+            <a:pPr algn="ctr"/>
+            <a:endParaRPr kumimoji="1" lang="ja-JP" altLang="en-US"/>
+          </a:p>
+        </p:txBody>
+      </p:sp>
+      <p:sp>
+        <p:nvSpPr>
+          <p:cNvPr id="6" name="右矢印 5"/>
+          <p:cNvSpPr/>
+          <p:nvPr/>
+        </p:nvSpPr>
+        <p:spPr>
+          <a:xfrm>
+            <a:off x="2539014" y="2006353"/>
+            <a:ext cx="603682" cy="484632"/>
+          </a:xfrm>
+          <a:prstGeom prst="rightArrow">
+            <a:avLst/>
+          </a:prstGeom>
+        </p:spPr>
+        <p:style>
+          <a:lnRef idx="2">
+            <a:schemeClr val="accent1">
+              <a:shade val="50000"/>
+            </a:schemeClr>
+          </a:lnRef>
+          <a:fillRef idx="1">
+            <a:schemeClr val="accent1"/>
+          </a:fillRef>
+          <a:effectRef idx="0">
+            <a:schemeClr val="accent1"/>
+          </a:effectRef>
+          <a:fontRef idx="minor">
+            <a:schemeClr val="lt1"/>
+          </a:fontRef>
+        </p:style>
+        <p:txBody>
+          <a:bodyPr rtlCol="0" anchor="ctr"/>
+          <a:lstStyle/>
+          <a:p>
+            <a:pPr algn="ctr"/>
+            <a:endParaRPr kumimoji="1" lang="ja-JP" altLang="en-US"/>
+          </a:p>
+        </p:txBody>
+      </p:sp>
+      <p:sp>
+        <p:nvSpPr>
+          <p:cNvPr id="7" name="正方形/長方形 6"/>
+          <p:cNvSpPr/>
+          <p:nvPr/>
+        </p:nvSpPr>
+        <p:spPr>
+          <a:xfrm>
+            <a:off x="3552547" y="1412290"/>
+            <a:ext cx="1500326" cy="479393"/>
+          </a:xfrm>
+          <a:prstGeom prst="rect">
+            <a:avLst/>
+          </a:prstGeom>
+        </p:spPr>
+        <p:style>
+          <a:lnRef idx="2">
+            <a:schemeClr val="accent1">
+              <a:shade val="50000"/>
+            </a:schemeClr>
+          </a:lnRef>
+          <a:fillRef idx="1">
+            <a:schemeClr val="accent1"/>
+          </a:fillRef>
+          <a:effectRef idx="0">
+            <a:schemeClr val="accent1"/>
+          </a:effectRef>
+          <a:fontRef idx="minor">
+            <a:schemeClr val="lt1"/>
+          </a:fontRef>
+        </p:style>
+        <p:txBody>
+          <a:bodyPr rtlCol="0" anchor="ctr"/>
+          <a:lstStyle/>
+          <a:p>
+            <a:pPr algn="ctr"/>
+            <a:endParaRPr kumimoji="1" lang="ja-JP" altLang="en-US"/>
+          </a:p>
+        </p:txBody>
+      </p:sp>
+      <p:sp>
+        <p:nvSpPr>
+          <p:cNvPr id="8" name="二等辺三角形 7"/>
+          <p:cNvSpPr/>
+          <p:nvPr/>
+        </p:nvSpPr>
+        <p:spPr>
+          <a:xfrm rot="10800000">
+            <a:off x="3881021" y="1891683"/>
+            <a:ext cx="843378" cy="568171"/>
+          </a:xfrm>
+          <a:prstGeom prst="triangle">
+            <a:avLst/>
+          </a:prstGeom>
+        </p:spPr>
+        <p:style>
+          <a:lnRef idx="2">
+            <a:schemeClr val="accent1">
+              <a:shade val="50000"/>
+            </a:schemeClr>
+          </a:lnRef>
+          <a:fillRef idx="1">
+            <a:schemeClr val="accent1"/>
+          </a:fillRef>
+          <a:effectRef idx="0">
+            <a:schemeClr val="accent1"/>
+          </a:effectRef>
+          <a:fontRef idx="minor">
+            <a:schemeClr val="lt1"/>
+          </a:fontRef>
+        </p:style>
+        <p:txBody>
+          <a:bodyPr rtlCol="0" anchor="ctr"/>
+          <a:lstStyle/>
+          <a:p>
+            <a:pPr algn="ctr"/>
+            <a:endParaRPr kumimoji="1" lang="ja-JP" altLang="en-US"/>
+          </a:p>
+        </p:txBody>
+      </p:sp>
+      <p:sp>
+        <p:nvSpPr>
+          <p:cNvPr id="9" name="正方形/長方形 8"/>
+          <p:cNvSpPr/>
+          <p:nvPr/>
+        </p:nvSpPr>
+        <p:spPr>
+          <a:xfrm>
+            <a:off x="3552547" y="2699921"/>
+            <a:ext cx="1500326" cy="479393"/>
+          </a:xfrm>
+          <a:prstGeom prst="rect">
+            <a:avLst/>
+          </a:prstGeom>
+        </p:spPr>
+        <p:style>
+          <a:lnRef idx="2">
+            <a:schemeClr val="accent1">
+              <a:shade val="50000"/>
+            </a:schemeClr>
+          </a:lnRef>
+          <a:fillRef idx="1">
+            <a:schemeClr val="accent1"/>
+          </a:fillRef>
+          <a:effectRef idx="0">
+            <a:schemeClr val="accent1"/>
+          </a:effectRef>
+          <a:fontRef idx="minor">
+            <a:schemeClr val="lt1"/>
+          </a:fontRef>
+        </p:style>
+        <p:txBody>
+          <a:bodyPr rtlCol="0" anchor="ctr"/>
+          <a:lstStyle/>
+          <a:p>
+            <a:pPr algn="ctr"/>
+            <a:endParaRPr kumimoji="1" lang="ja-JP" altLang="en-US"/>
+          </a:p>
+        </p:txBody>
+      </p:sp>
+      <p:sp>
+        <p:nvSpPr>
+          <p:cNvPr id="10" name="楕円 9"/>
+          <p:cNvSpPr/>
+          <p:nvPr/>
+        </p:nvSpPr>
+        <p:spPr>
+          <a:xfrm>
+            <a:off x="3183384" y="1980645"/>
+            <a:ext cx="656948" cy="630314"/>
+          </a:xfrm>
+          <a:prstGeom prst="ellipse">
+            <a:avLst/>
+          </a:prstGeom>
+        </p:spPr>
+        <p:style>
+          <a:lnRef idx="2">
+            <a:schemeClr val="accent1">
+              <a:shade val="50000"/>
+            </a:schemeClr>
+          </a:lnRef>
+          <a:fillRef idx="1">
+            <a:schemeClr val="accent1"/>
+          </a:fillRef>
+          <a:effectRef idx="0">
+            <a:schemeClr val="accent1"/>
+          </a:effectRef>
+          <a:fontRef idx="minor">
+            <a:schemeClr val="lt1"/>
+          </a:fontRef>
+        </p:style>
+        <p:txBody>
+          <a:bodyPr rtlCol="0" anchor="ctr"/>
+          <a:lstStyle/>
+          <a:p>
+            <a:pPr algn="ctr"/>
+            <a:endParaRPr kumimoji="1" lang="ja-JP" altLang="en-US"/>
+          </a:p>
+        </p:txBody>
+      </p:sp>
+      <p:sp>
+        <p:nvSpPr>
+          <p:cNvPr id="11" name="テキスト ボックス 10"/>
+          <p:cNvSpPr txBox="1"/>
+          <p:nvPr/>
+        </p:nvSpPr>
+        <p:spPr>
+          <a:xfrm>
+            <a:off x="967665" y="604052"/>
+            <a:ext cx="9930924" cy="400110"/>
+          </a:xfrm>
+          <a:prstGeom prst="rect">
+            <a:avLst/>
+          </a:prstGeom>
+          <a:noFill/>
+        </p:spPr>
+        <p:txBody>
+          <a:bodyPr wrap="none" rtlCol="0">
+            <a:spAutoFit/>
+          </a:bodyPr>
+          <a:lstStyle/>
+          <a:p>
+            <a:r>
+              <a:rPr lang="ja-JP" altLang="en-US" sz="2000" dirty="0" smtClean="0"/>
+              <a:t>トラップは上から飛び出してくるものや下から出てきて弾を飛ばしてくるものもある</a:t>
+            </a:r>
+            <a:endParaRPr kumimoji="1" lang="ja-JP" altLang="en-US" sz="2000" dirty="0"/>
+          </a:p>
+        </p:txBody>
+      </p:sp>
+      <p:sp>
+        <p:nvSpPr>
+          <p:cNvPr id="12" name="正方形/長方形 11"/>
+          <p:cNvSpPr/>
+          <p:nvPr/>
+        </p:nvSpPr>
+        <p:spPr>
+          <a:xfrm>
+            <a:off x="1180731" y="5724640"/>
+            <a:ext cx="2272681" cy="479393"/>
+          </a:xfrm>
+          <a:prstGeom prst="rect">
+            <a:avLst/>
+          </a:prstGeom>
+        </p:spPr>
+        <p:style>
+          <a:lnRef idx="2">
+            <a:schemeClr val="accent1">
+              <a:shade val="50000"/>
+            </a:schemeClr>
+          </a:lnRef>
+          <a:fillRef idx="1">
+            <a:schemeClr val="accent1"/>
+          </a:fillRef>
+          <a:effectRef idx="0">
+            <a:schemeClr val="accent1"/>
+          </a:effectRef>
+          <a:fontRef idx="minor">
+            <a:schemeClr val="lt1"/>
+          </a:fontRef>
+        </p:style>
+        <p:txBody>
+          <a:bodyPr rtlCol="0" anchor="ctr"/>
+          <a:lstStyle/>
+          <a:p>
+            <a:pPr algn="ctr"/>
+            <a:endParaRPr kumimoji="1" lang="ja-JP" altLang="en-US"/>
+          </a:p>
+        </p:txBody>
+      </p:sp>
+      <p:sp>
+        <p:nvSpPr>
+          <p:cNvPr id="13" name="正方形/長方形 12"/>
+          <p:cNvSpPr/>
+          <p:nvPr/>
+        </p:nvSpPr>
+        <p:spPr>
+          <a:xfrm>
+            <a:off x="1180730" y="4210976"/>
+            <a:ext cx="2272682" cy="479393"/>
+          </a:xfrm>
+          <a:prstGeom prst="rect">
+            <a:avLst/>
+          </a:prstGeom>
+        </p:spPr>
+        <p:style>
+          <a:lnRef idx="2">
+            <a:schemeClr val="accent1">
+              <a:shade val="50000"/>
+            </a:schemeClr>
+          </a:lnRef>
+          <a:fillRef idx="1">
+            <a:schemeClr val="accent1"/>
+          </a:fillRef>
+          <a:effectRef idx="0">
+            <a:schemeClr val="accent1"/>
+          </a:effectRef>
+          <a:fontRef idx="minor">
+            <a:schemeClr val="lt1"/>
+          </a:fontRef>
+        </p:style>
+        <p:txBody>
+          <a:bodyPr rtlCol="0" anchor="ctr"/>
+          <a:lstStyle/>
+          <a:p>
+            <a:pPr algn="ctr"/>
+            <a:endParaRPr kumimoji="1" lang="ja-JP" altLang="en-US"/>
+          </a:p>
+        </p:txBody>
+      </p:sp>
+      <p:sp>
+        <p:nvSpPr>
+          <p:cNvPr id="15" name="正方形/長方形 14"/>
+          <p:cNvSpPr/>
+          <p:nvPr/>
+        </p:nvSpPr>
+        <p:spPr>
+          <a:xfrm>
+            <a:off x="4862766" y="5711695"/>
+            <a:ext cx="2278370" cy="479393"/>
+          </a:xfrm>
+          <a:prstGeom prst="rect">
+            <a:avLst/>
+          </a:prstGeom>
+        </p:spPr>
+        <p:style>
+          <a:lnRef idx="2">
+            <a:schemeClr val="accent1">
+              <a:shade val="50000"/>
+            </a:schemeClr>
+          </a:lnRef>
+          <a:fillRef idx="1">
+            <a:schemeClr val="accent1"/>
+          </a:fillRef>
+          <a:effectRef idx="0">
+            <a:schemeClr val="accent1"/>
+          </a:effectRef>
+          <a:fontRef idx="minor">
+            <a:schemeClr val="lt1"/>
+          </a:fontRef>
+        </p:style>
+        <p:txBody>
+          <a:bodyPr rtlCol="0" anchor="ctr"/>
+          <a:lstStyle/>
+          <a:p>
+            <a:pPr algn="ctr"/>
+            <a:endParaRPr kumimoji="1" lang="ja-JP" altLang="en-US"/>
+          </a:p>
+        </p:txBody>
+      </p:sp>
+      <p:sp>
+        <p:nvSpPr>
+          <p:cNvPr id="16" name="正方形/長方形 15"/>
+          <p:cNvSpPr/>
+          <p:nvPr/>
+        </p:nvSpPr>
+        <p:spPr>
+          <a:xfrm>
+            <a:off x="4862764" y="4210976"/>
+            <a:ext cx="2278372" cy="479393"/>
+          </a:xfrm>
+          <a:prstGeom prst="rect">
+            <a:avLst/>
+          </a:prstGeom>
+        </p:spPr>
+        <p:style>
+          <a:lnRef idx="2">
+            <a:schemeClr val="accent1">
+              <a:shade val="50000"/>
+            </a:schemeClr>
+          </a:lnRef>
+          <a:fillRef idx="1">
+            <a:schemeClr val="accent1"/>
+          </a:fillRef>
+          <a:effectRef idx="0">
+            <a:schemeClr val="accent1"/>
+          </a:effectRef>
+          <a:fontRef idx="minor">
+            <a:schemeClr val="lt1"/>
+          </a:fontRef>
+        </p:style>
+        <p:txBody>
+          <a:bodyPr rtlCol="0" anchor="ctr"/>
+          <a:lstStyle/>
+          <a:p>
+            <a:pPr algn="ctr"/>
+            <a:endParaRPr kumimoji="1" lang="ja-JP" altLang="en-US"/>
+          </a:p>
+        </p:txBody>
+      </p:sp>
+      <p:sp>
+        <p:nvSpPr>
+          <p:cNvPr id="17" name="正方形/長方形 16"/>
+          <p:cNvSpPr/>
+          <p:nvPr/>
+        </p:nvSpPr>
+        <p:spPr>
+          <a:xfrm>
+            <a:off x="6353589" y="5359559"/>
+            <a:ext cx="617738" cy="344001"/>
+          </a:xfrm>
+          <a:prstGeom prst="rect">
+            <a:avLst/>
+          </a:prstGeom>
+        </p:spPr>
+        <p:style>
+          <a:lnRef idx="2">
+            <a:schemeClr val="accent1">
+              <a:shade val="50000"/>
+            </a:schemeClr>
+          </a:lnRef>
+          <a:fillRef idx="1">
+            <a:schemeClr val="accent1"/>
+          </a:fillRef>
+          <a:effectRef idx="0">
+            <a:schemeClr val="accent1"/>
+          </a:effectRef>
+          <a:fontRef idx="minor">
+            <a:schemeClr val="lt1"/>
+          </a:fontRef>
+        </p:style>
+        <p:txBody>
+          <a:bodyPr rtlCol="0" anchor="ctr"/>
+          <a:lstStyle/>
+          <a:p>
+            <a:pPr algn="ctr"/>
+            <a:endParaRPr kumimoji="1" lang="ja-JP" altLang="en-US"/>
+          </a:p>
+        </p:txBody>
+      </p:sp>
+      <p:sp>
+        <p:nvSpPr>
+          <p:cNvPr id="18" name="楕円 17"/>
+          <p:cNvSpPr/>
+          <p:nvPr/>
+        </p:nvSpPr>
+        <p:spPr>
+          <a:xfrm>
+            <a:off x="4524768" y="4905893"/>
+            <a:ext cx="656948" cy="630314"/>
+          </a:xfrm>
+          <a:prstGeom prst="ellipse">
+            <a:avLst/>
+          </a:prstGeom>
+        </p:spPr>
+        <p:style>
+          <a:lnRef idx="2">
+            <a:schemeClr val="accent1">
+              <a:shade val="50000"/>
+            </a:schemeClr>
+          </a:lnRef>
+          <a:fillRef idx="1">
+            <a:schemeClr val="accent1"/>
+          </a:fillRef>
+          <a:effectRef idx="0">
+            <a:schemeClr val="accent1"/>
+          </a:effectRef>
+          <a:fontRef idx="minor">
+            <a:schemeClr val="lt1"/>
+          </a:fontRef>
+        </p:style>
+        <p:txBody>
+          <a:bodyPr rtlCol="0" anchor="ctr"/>
+          <a:lstStyle/>
+          <a:p>
+            <a:pPr algn="ctr"/>
+            <a:endParaRPr kumimoji="1" lang="ja-JP" altLang="en-US"/>
+          </a:p>
+        </p:txBody>
+      </p:sp>
+      <p:sp>
+        <p:nvSpPr>
+          <p:cNvPr id="19" name="楕円 18"/>
+          <p:cNvSpPr/>
+          <p:nvPr/>
+        </p:nvSpPr>
+        <p:spPr>
+          <a:xfrm>
+            <a:off x="673939" y="4892347"/>
+            <a:ext cx="656948" cy="630314"/>
+          </a:xfrm>
+          <a:prstGeom prst="ellipse">
+            <a:avLst/>
+          </a:prstGeom>
+        </p:spPr>
+        <p:style>
+          <a:lnRef idx="2">
+            <a:schemeClr val="accent1">
+              <a:shade val="50000"/>
+            </a:schemeClr>
+          </a:lnRef>
+          <a:fillRef idx="1">
+            <a:schemeClr val="accent1"/>
+          </a:fillRef>
+          <a:effectRef idx="0">
+            <a:schemeClr val="accent1"/>
+          </a:effectRef>
+          <a:fontRef idx="minor">
+            <a:schemeClr val="lt1"/>
+          </a:fontRef>
+        </p:style>
+        <p:txBody>
+          <a:bodyPr rtlCol="0" anchor="ctr"/>
+          <a:lstStyle/>
+          <a:p>
+            <a:pPr algn="ctr"/>
+            <a:endParaRPr kumimoji="1" lang="ja-JP" altLang="en-US"/>
+          </a:p>
+        </p:txBody>
+      </p:sp>
+      <p:sp>
+        <p:nvSpPr>
+          <p:cNvPr id="20" name="右矢印 19"/>
+          <p:cNvSpPr/>
+          <p:nvPr/>
+        </p:nvSpPr>
+        <p:spPr>
+          <a:xfrm>
+            <a:off x="3579180" y="4978734"/>
+            <a:ext cx="603682" cy="484632"/>
+          </a:xfrm>
+          <a:prstGeom prst="rightArrow">
+            <a:avLst/>
+          </a:prstGeom>
+        </p:spPr>
+        <p:style>
+          <a:lnRef idx="2">
+            <a:schemeClr val="accent1">
+              <a:shade val="50000"/>
+            </a:schemeClr>
+          </a:lnRef>
+          <a:fillRef idx="1">
+            <a:schemeClr val="accent1"/>
+          </a:fillRef>
+          <a:effectRef idx="0">
+            <a:schemeClr val="accent1"/>
+          </a:effectRef>
+          <a:fontRef idx="minor">
+            <a:schemeClr val="lt1"/>
+          </a:fontRef>
+        </p:style>
+        <p:txBody>
+          <a:bodyPr rtlCol="0" anchor="ctr"/>
+          <a:lstStyle/>
+          <a:p>
+            <a:pPr algn="ctr"/>
+            <a:endParaRPr kumimoji="1" lang="ja-JP" altLang="en-US"/>
+          </a:p>
+        </p:txBody>
+      </p:sp>
+      <p:sp>
+        <p:nvSpPr>
+          <p:cNvPr id="21" name="星 4 20"/>
+          <p:cNvSpPr/>
+          <p:nvPr/>
+        </p:nvSpPr>
+        <p:spPr>
+          <a:xfrm>
+            <a:off x="9832662" y="5165586"/>
+            <a:ext cx="366438" cy="358075"/>
+          </a:xfrm>
+          <a:prstGeom prst="star4">
+            <a:avLst/>
+          </a:prstGeom>
+        </p:spPr>
+        <p:style>
+          <a:lnRef idx="2">
+            <a:schemeClr val="accent1">
+              <a:shade val="50000"/>
+            </a:schemeClr>
+          </a:lnRef>
+          <a:fillRef idx="1">
+            <a:schemeClr val="accent1"/>
+          </a:fillRef>
+          <a:effectRef idx="0">
+            <a:schemeClr val="accent1"/>
+          </a:effectRef>
+          <a:fontRef idx="minor">
+            <a:schemeClr val="lt1"/>
+          </a:fontRef>
+        </p:style>
+        <p:txBody>
+          <a:bodyPr rtlCol="0" anchor="ctr"/>
+          <a:lstStyle/>
+          <a:p>
+            <a:pPr algn="ctr"/>
+            <a:endParaRPr kumimoji="1" lang="ja-JP" altLang="en-US"/>
+          </a:p>
+        </p:txBody>
+      </p:sp>
+      <p:sp>
+        <p:nvSpPr>
+          <p:cNvPr id="22" name="右矢印 21"/>
+          <p:cNvSpPr/>
+          <p:nvPr/>
+        </p:nvSpPr>
+        <p:spPr>
+          <a:xfrm>
+            <a:off x="7333834" y="4978734"/>
+            <a:ext cx="603682" cy="484632"/>
+          </a:xfrm>
+          <a:prstGeom prst="rightArrow">
+            <a:avLst/>
+          </a:prstGeom>
+        </p:spPr>
+        <p:style>
+          <a:lnRef idx="2">
+            <a:schemeClr val="accent1">
+              <a:shade val="50000"/>
+            </a:schemeClr>
+          </a:lnRef>
+          <a:fillRef idx="1">
+            <a:schemeClr val="accent1"/>
+          </a:fillRef>
+          <a:effectRef idx="0">
+            <a:schemeClr val="accent1"/>
+          </a:effectRef>
+          <a:fontRef idx="minor">
+            <a:schemeClr val="lt1"/>
+          </a:fontRef>
+        </p:style>
+        <p:txBody>
+          <a:bodyPr rtlCol="0" anchor="ctr"/>
+          <a:lstStyle/>
+          <a:p>
+            <a:pPr algn="ctr"/>
+            <a:endParaRPr kumimoji="1" lang="ja-JP" altLang="en-US"/>
+          </a:p>
+        </p:txBody>
+      </p:sp>
+      <p:sp>
+        <p:nvSpPr>
+          <p:cNvPr id="23" name="正方形/長方形 22"/>
+          <p:cNvSpPr/>
+          <p:nvPr/>
+        </p:nvSpPr>
+        <p:spPr>
+          <a:xfrm>
+            <a:off x="9059914" y="5724640"/>
+            <a:ext cx="2278372" cy="479393"/>
+          </a:xfrm>
+          <a:prstGeom prst="rect">
+            <a:avLst/>
+          </a:prstGeom>
+        </p:spPr>
+        <p:style>
+          <a:lnRef idx="2">
+            <a:schemeClr val="accent1">
+              <a:shade val="50000"/>
+            </a:schemeClr>
+          </a:lnRef>
+          <a:fillRef idx="1">
+            <a:schemeClr val="accent1"/>
+          </a:fillRef>
+          <a:effectRef idx="0">
+            <a:schemeClr val="accent1"/>
+          </a:effectRef>
+          <a:fontRef idx="minor">
+            <a:schemeClr val="lt1"/>
+          </a:fontRef>
+        </p:style>
+        <p:txBody>
+          <a:bodyPr rtlCol="0" anchor="ctr"/>
+          <a:lstStyle/>
+          <a:p>
+            <a:pPr algn="ctr"/>
+            <a:endParaRPr kumimoji="1" lang="ja-JP" altLang="en-US"/>
+          </a:p>
+        </p:txBody>
+      </p:sp>
+      <p:sp>
+        <p:nvSpPr>
+          <p:cNvPr id="24" name="正方形/長方形 23"/>
+          <p:cNvSpPr/>
+          <p:nvPr/>
+        </p:nvSpPr>
+        <p:spPr>
+          <a:xfrm>
+            <a:off x="9059914" y="4207571"/>
+            <a:ext cx="2278372" cy="479393"/>
+          </a:xfrm>
+          <a:prstGeom prst="rect">
+            <a:avLst/>
+          </a:prstGeom>
+        </p:spPr>
+        <p:style>
+          <a:lnRef idx="2">
+            <a:schemeClr val="accent1">
+              <a:shade val="50000"/>
+            </a:schemeClr>
+          </a:lnRef>
+          <a:fillRef idx="1">
+            <a:schemeClr val="accent1"/>
+          </a:fillRef>
+          <a:effectRef idx="0">
+            <a:schemeClr val="accent1"/>
+          </a:effectRef>
+          <a:fontRef idx="minor">
+            <a:schemeClr val="lt1"/>
+          </a:fontRef>
+        </p:style>
+        <p:txBody>
+          <a:bodyPr rtlCol="0" anchor="ctr"/>
+          <a:lstStyle/>
+          <a:p>
+            <a:pPr algn="ctr"/>
+            <a:endParaRPr kumimoji="1" lang="ja-JP" altLang="en-US"/>
+          </a:p>
+        </p:txBody>
+      </p:sp>
+      <p:sp>
+        <p:nvSpPr>
+          <p:cNvPr id="25" name="正方形/長方形 24"/>
+          <p:cNvSpPr/>
+          <p:nvPr/>
+        </p:nvSpPr>
+        <p:spPr>
+          <a:xfrm>
+            <a:off x="10566880" y="5381410"/>
+            <a:ext cx="617738" cy="344001"/>
+          </a:xfrm>
+          <a:prstGeom prst="rect">
+            <a:avLst/>
+          </a:prstGeom>
+        </p:spPr>
+        <p:style>
+          <a:lnRef idx="2">
+            <a:schemeClr val="accent1">
+              <a:shade val="50000"/>
+            </a:schemeClr>
+          </a:lnRef>
+          <a:fillRef idx="1">
+            <a:schemeClr val="accent1"/>
+          </a:fillRef>
+          <a:effectRef idx="0">
+            <a:schemeClr val="accent1"/>
+          </a:effectRef>
+          <a:fontRef idx="minor">
+            <a:schemeClr val="lt1"/>
+          </a:fontRef>
+        </p:style>
+        <p:txBody>
+          <a:bodyPr rtlCol="0" anchor="ctr"/>
+          <a:lstStyle/>
+          <a:p>
+            <a:pPr algn="ctr"/>
+            <a:endParaRPr kumimoji="1" lang="ja-JP" altLang="en-US"/>
+          </a:p>
+        </p:txBody>
+      </p:sp>
+      <p:sp>
+        <p:nvSpPr>
+          <p:cNvPr id="26" name="楕円 25"/>
+          <p:cNvSpPr/>
+          <p:nvPr/>
+        </p:nvSpPr>
+        <p:spPr>
+          <a:xfrm>
+            <a:off x="8525534" y="4789644"/>
+            <a:ext cx="656948" cy="630314"/>
+          </a:xfrm>
+          <a:prstGeom prst="ellipse">
+            <a:avLst/>
+          </a:prstGeom>
+        </p:spPr>
+        <p:style>
+          <a:lnRef idx="2">
+            <a:schemeClr val="accent1">
+              <a:shade val="50000"/>
+            </a:schemeClr>
+          </a:lnRef>
+          <a:fillRef idx="1">
+            <a:schemeClr val="accent1"/>
+          </a:fillRef>
+          <a:effectRef idx="0">
+            <a:schemeClr val="accent1"/>
+          </a:effectRef>
+          <a:fontRef idx="minor">
+            <a:schemeClr val="lt1"/>
+          </a:fontRef>
+        </p:style>
+        <p:txBody>
+          <a:bodyPr rtlCol="0" anchor="ctr"/>
+          <a:lstStyle/>
+          <a:p>
+            <a:pPr algn="ctr"/>
+            <a:endParaRPr kumimoji="1" lang="ja-JP" altLang="en-US"/>
+          </a:p>
+        </p:txBody>
+      </p:sp>
+    </p:spTree>
+    <p:extLst>
+      <p:ext uri="{BB962C8B-B14F-4D97-AF65-F5344CB8AC3E}">
+        <p14:creationId xmlns:p14="http://schemas.microsoft.com/office/powerpoint/2010/main" val="3727736081"/>
+      </p:ext>
+    </p:extLst>
+  </p:cSld>
+  <p:clrMapOvr>
+    <a:masterClrMapping/>
+  </p:clrMapOvr>
+</p:sld>
+</file>
+
+<file path=ppt/slides/slide5.xml><?xml version="1.0" encoding="utf-8"?>
+<p:sld xmlns:a="http://schemas.openxmlformats.org/drawingml/2006/main" xmlns:r="http://schemas.openxmlformats.org/officeDocument/2006/relationships" xmlns:p="http://schemas.openxmlformats.org/presentationml/2006/main">
+  <p:cSld>
+    <p:spTree>
+      <p:nvGrpSpPr>
+        <p:cNvPr id="1" name=""/>
+        <p:cNvGrpSpPr/>
+        <p:nvPr/>
+      </p:nvGrpSpPr>
+      <p:grpSpPr>
+        <a:xfrm>
+          <a:off x="0" y="0"/>
+          <a:ext cx="0" cy="0"/>
+          <a:chOff x="0" y="0"/>
+          <a:chExt cx="0" cy="0"/>
+        </a:xfrm>
+      </p:grpSpPr>
+      <p:sp>
+        <p:nvSpPr>
+          <p:cNvPr id="5" name="テキスト ボックス 4"/>
+          <p:cNvSpPr txBox="1"/>
+          <p:nvPr/>
+        </p:nvSpPr>
+        <p:spPr>
+          <a:xfrm>
+            <a:off x="1313895" y="568171"/>
+            <a:ext cx="6340197" cy="707886"/>
+          </a:xfrm>
+          <a:prstGeom prst="rect">
+            <a:avLst/>
+          </a:prstGeom>
+          <a:noFill/>
+        </p:spPr>
+        <p:txBody>
+          <a:bodyPr wrap="none" rtlCol="0">
+            <a:spAutoFit/>
+          </a:bodyPr>
+          <a:lstStyle/>
+          <a:p>
+            <a:r>
+              <a:rPr kumimoji="1" lang="ja-JP" altLang="en-US" sz="4000" dirty="0" smtClean="0"/>
+              <a:t>追加するかもしれない機能</a:t>
+            </a:r>
+            <a:endParaRPr kumimoji="1" lang="ja-JP" altLang="en-US" sz="4000" dirty="0"/>
+          </a:p>
+        </p:txBody>
+      </p:sp>
+      <p:sp>
+        <p:nvSpPr>
+          <p:cNvPr id="6" name="テキスト ボックス 5"/>
+          <p:cNvSpPr txBox="1"/>
+          <p:nvPr/>
+        </p:nvSpPr>
+        <p:spPr>
+          <a:xfrm>
+            <a:off x="1535837" y="1686758"/>
+            <a:ext cx="4536489" cy="2246769"/>
+          </a:xfrm>
+          <a:prstGeom prst="rect">
+            <a:avLst/>
+          </a:prstGeom>
+          <a:noFill/>
+        </p:spPr>
+        <p:txBody>
+          <a:bodyPr wrap="square" rtlCol="0">
+            <a:spAutoFit/>
+          </a:bodyPr>
+          <a:lstStyle/>
+          <a:p>
+            <a:r>
+              <a:rPr kumimoji="1" lang="ja-JP" altLang="en-US" sz="2800" dirty="0" smtClean="0"/>
+              <a:t>敵の攻撃方法の追加</a:t>
+            </a:r>
+            <a:endParaRPr kumimoji="1" lang="en-US" altLang="ja-JP" sz="2800" dirty="0" smtClean="0"/>
+          </a:p>
+          <a:p>
+            <a:r>
+              <a:rPr lang="ja-JP" altLang="en-US" sz="2800" dirty="0"/>
+              <a:t>プレイヤー</a:t>
+            </a:r>
+            <a:r>
+              <a:rPr lang="ja-JP" altLang="en-US" sz="2800" dirty="0" smtClean="0"/>
+              <a:t>に</a:t>
+            </a:r>
+            <a:r>
+              <a:rPr lang="en-US" altLang="ja-JP" sz="2800" dirty="0" smtClean="0"/>
+              <a:t>HP</a:t>
+            </a:r>
+            <a:r>
+              <a:rPr lang="ja-JP" altLang="en-US" sz="2800" dirty="0" smtClean="0"/>
+              <a:t>を追加</a:t>
+            </a:r>
+            <a:endParaRPr lang="en-US" altLang="ja-JP" sz="2800" dirty="0" smtClean="0"/>
+          </a:p>
+          <a:p>
+            <a:r>
+              <a:rPr kumimoji="1" lang="ja-JP" altLang="en-US" sz="2800" dirty="0"/>
+              <a:t>プレイヤーに攻撃方法</a:t>
+            </a:r>
+            <a:r>
+              <a:rPr kumimoji="1" lang="ja-JP" altLang="en-US" sz="2800" dirty="0" smtClean="0"/>
+              <a:t>追加</a:t>
+            </a:r>
+            <a:endParaRPr kumimoji="1" lang="en-US" altLang="ja-JP" sz="2800" dirty="0" smtClean="0"/>
+          </a:p>
+          <a:p>
+            <a:r>
+              <a:rPr lang="ja-JP" altLang="en-US" sz="2800" dirty="0"/>
+              <a:t>トラップの機能</a:t>
+            </a:r>
+            <a:r>
+              <a:rPr lang="ja-JP" altLang="en-US" sz="2800" dirty="0" smtClean="0"/>
+              <a:t>追加</a:t>
+            </a:r>
+            <a:endParaRPr lang="en-US" altLang="ja-JP" sz="2800" dirty="0" smtClean="0"/>
+          </a:p>
+          <a:p>
+            <a:endParaRPr kumimoji="1" lang="ja-JP" altLang="en-US" sz="2800" dirty="0"/>
+          </a:p>
+        </p:txBody>
+      </p:sp>
+    </p:spTree>
+    <p:extLst>
+      <p:ext uri="{BB962C8B-B14F-4D97-AF65-F5344CB8AC3E}">
+        <p14:creationId xmlns:p14="http://schemas.microsoft.com/office/powerpoint/2010/main" val="790380513"/>
+      </p:ext>
+    </p:extLst>
+  </p:cSld>
+  <p:clrMapOvr>
+    <a:masterClrMapping/>
+  </p:clrMapOvr>
+</p:sld>
+</file>
+
+<file path=ppt/slides/slide6.xml><?xml version="1.0" encoding="utf-8"?>
+<p:sld xmlns:a="http://schemas.openxmlformats.org/drawingml/2006/main" xmlns:r="http://schemas.openxmlformats.org/officeDocument/2006/relationships" xmlns:p="http://schemas.openxmlformats.org/presentationml/2006/main">
+  <p:cSld>
+    <p:spTree>
+      <p:nvGrpSpPr>
+        <p:cNvPr id="1" name=""/>
+        <p:cNvGrpSpPr/>
+        <p:nvPr/>
+      </p:nvGrpSpPr>
+      <p:grpSpPr>
+        <a:xfrm>
+          <a:off x="0" y="0"/>
+          <a:ext cx="0" cy="0"/>
+          <a:chOff x="0" y="0"/>
+          <a:chExt cx="0" cy="0"/>
+        </a:xfrm>
+      </p:grpSpPr>
+      <p:sp>
+        <p:nvSpPr>
           <p:cNvPr id="2" name="タイトル 1"/>
           <p:cNvSpPr>
             <a:spLocks noGrp="1"/>
@@ -4412,7 +5789,7 @@
 </p:sld>
 </file>
 
-<file path=ppt/slides/slide5.xml><?xml version="1.0" encoding="utf-8"?>
+<file path=ppt/slides/slide7.xml><?xml version="1.0" encoding="utf-8"?>
 <p:sld xmlns:a="http://schemas.openxmlformats.org/drawingml/2006/main" xmlns:r="http://schemas.openxmlformats.org/officeDocument/2006/relationships" xmlns:p="http://schemas.openxmlformats.org/presentationml/2006/main">
   <p:cSld>
     <p:spTree>
@@ -4641,7 +6018,7 @@
 </p:sld>
 </file>
 
-<file path=ppt/slides/slide6.xml><?xml version="1.0" encoding="utf-8"?>
+<file path=ppt/slides/slide8.xml><?xml version="1.0" encoding="utf-8"?>
 <p:sld xmlns:a="http://schemas.openxmlformats.org/drawingml/2006/main" xmlns:r="http://schemas.openxmlformats.org/officeDocument/2006/relationships" xmlns:p="http://schemas.openxmlformats.org/presentationml/2006/main">
   <p:cSld>
     <p:spTree>
@@ -4723,7 +6100,7 @@
 </p:sld>
 </file>
 
-<file path=ppt/slides/slide7.xml><?xml version="1.0" encoding="utf-8"?>
+<file path=ppt/slides/slide9.xml><?xml version="1.0" encoding="utf-8"?>
 <p:sld xmlns:a="http://schemas.openxmlformats.org/drawingml/2006/main" xmlns:r="http://schemas.openxmlformats.org/officeDocument/2006/relationships" xmlns:p="http://schemas.openxmlformats.org/presentationml/2006/main">
   <p:cSld>
     <p:spTree>
